--- a/docs/images/pipeline.pptx
+++ b/docs/images/pipeline.pptx
@@ -104,6 +104,11 @@
       </a:defRPr>
     </a:lvl9pPr>
   </p:defaultTextStyle>
+  <p:extLst>
+    <p:ext uri="{EFAFB233-063F-42B5-8137-9DF3F51BA10A}">
+      <p15:sldGuideLst xmlns:p15="http://schemas.microsoft.com/office/powerpoint/2012/main"/>
+    </p:ext>
+  </p:extLst>
 </p:presentation>
 </file>
 
@@ -254,7 +259,7 @@
           <a:p>
             <a:fld id="{9BF4B002-F650-8A49-9257-AF48A4E75ECF}" type="datetimeFigureOut">
               <a:rPr lang="en-US" smtClean="0"/>
-              <a:t>7/1/19</a:t>
+              <a:t>7/5/21</a:t>
             </a:fld>
             <a:endParaRPr lang="en-US"/>
           </a:p>
@@ -452,7 +457,7 @@
           <a:p>
             <a:fld id="{9BF4B002-F650-8A49-9257-AF48A4E75ECF}" type="datetimeFigureOut">
               <a:rPr lang="en-US" smtClean="0"/>
-              <a:t>7/1/19</a:t>
+              <a:t>7/5/21</a:t>
             </a:fld>
             <a:endParaRPr lang="en-US"/>
           </a:p>
@@ -660,7 +665,7 @@
           <a:p>
             <a:fld id="{9BF4B002-F650-8A49-9257-AF48A4E75ECF}" type="datetimeFigureOut">
               <a:rPr lang="en-US" smtClean="0"/>
-              <a:t>7/1/19</a:t>
+              <a:t>7/5/21</a:t>
             </a:fld>
             <a:endParaRPr lang="en-US"/>
           </a:p>
@@ -858,7 +863,7 @@
           <a:p>
             <a:fld id="{9BF4B002-F650-8A49-9257-AF48A4E75ECF}" type="datetimeFigureOut">
               <a:rPr lang="en-US" smtClean="0"/>
-              <a:t>7/1/19</a:t>
+              <a:t>7/5/21</a:t>
             </a:fld>
             <a:endParaRPr lang="en-US"/>
           </a:p>
@@ -1133,7 +1138,7 @@
           <a:p>
             <a:fld id="{9BF4B002-F650-8A49-9257-AF48A4E75ECF}" type="datetimeFigureOut">
               <a:rPr lang="en-US" smtClean="0"/>
-              <a:t>7/1/19</a:t>
+              <a:t>7/5/21</a:t>
             </a:fld>
             <a:endParaRPr lang="en-US"/>
           </a:p>
@@ -1398,7 +1403,7 @@
           <a:p>
             <a:fld id="{9BF4B002-F650-8A49-9257-AF48A4E75ECF}" type="datetimeFigureOut">
               <a:rPr lang="en-US" smtClean="0"/>
-              <a:t>7/1/19</a:t>
+              <a:t>7/5/21</a:t>
             </a:fld>
             <a:endParaRPr lang="en-US"/>
           </a:p>
@@ -1810,7 +1815,7 @@
           <a:p>
             <a:fld id="{9BF4B002-F650-8A49-9257-AF48A4E75ECF}" type="datetimeFigureOut">
               <a:rPr lang="en-US" smtClean="0"/>
-              <a:t>7/1/19</a:t>
+              <a:t>7/5/21</a:t>
             </a:fld>
             <a:endParaRPr lang="en-US"/>
           </a:p>
@@ -1951,7 +1956,7 @@
           <a:p>
             <a:fld id="{9BF4B002-F650-8A49-9257-AF48A4E75ECF}" type="datetimeFigureOut">
               <a:rPr lang="en-US" smtClean="0"/>
-              <a:t>7/1/19</a:t>
+              <a:t>7/5/21</a:t>
             </a:fld>
             <a:endParaRPr lang="en-US"/>
           </a:p>
@@ -2064,7 +2069,7 @@
           <a:p>
             <a:fld id="{9BF4B002-F650-8A49-9257-AF48A4E75ECF}" type="datetimeFigureOut">
               <a:rPr lang="en-US" smtClean="0"/>
-              <a:t>7/1/19</a:t>
+              <a:t>7/5/21</a:t>
             </a:fld>
             <a:endParaRPr lang="en-US"/>
           </a:p>
@@ -2375,7 +2380,7 @@
           <a:p>
             <a:fld id="{9BF4B002-F650-8A49-9257-AF48A4E75ECF}" type="datetimeFigureOut">
               <a:rPr lang="en-US" smtClean="0"/>
-              <a:t>7/1/19</a:t>
+              <a:t>7/5/21</a:t>
             </a:fld>
             <a:endParaRPr lang="en-US"/>
           </a:p>
@@ -2663,7 +2668,7 @@
           <a:p>
             <a:fld id="{9BF4B002-F650-8A49-9257-AF48A4E75ECF}" type="datetimeFigureOut">
               <a:rPr lang="en-US" smtClean="0"/>
-              <a:t>7/1/19</a:t>
+              <a:t>7/5/21</a:t>
             </a:fld>
             <a:endParaRPr lang="en-US"/>
           </a:p>
@@ -2904,7 +2909,7 @@
           <a:p>
             <a:fld id="{9BF4B002-F650-8A49-9257-AF48A4E75ECF}" type="datetimeFigureOut">
               <a:rPr lang="en-US" smtClean="0"/>
-              <a:t>7/1/19</a:t>
+              <a:t>7/5/21</a:t>
             </a:fld>
             <a:endParaRPr lang="en-US"/>
           </a:p>
@@ -3336,7 +3341,7 @@
         <p:spPr>
           <a:xfrm>
             <a:off x="2056015" y="155169"/>
-            <a:ext cx="2948248" cy="1288871"/>
+            <a:ext cx="2957419" cy="1288871"/>
           </a:xfrm>
           <a:prstGeom prst="roundRect">
             <a:avLst/>
@@ -3403,8 +3408,8 @@
         </p:nvSpPr>
         <p:spPr>
           <a:xfrm>
-            <a:off x="6935109" y="2108231"/>
-            <a:ext cx="2221713" cy="3051202"/>
+            <a:off x="6986724" y="2160150"/>
+            <a:ext cx="1991426" cy="2873910"/>
           </a:xfrm>
           <a:prstGeom prst="roundRect">
             <a:avLst/>
@@ -3471,8 +3476,8 @@
         </p:nvSpPr>
         <p:spPr>
           <a:xfrm>
-            <a:off x="2346324" y="2162717"/>
-            <a:ext cx="2221713" cy="2997972"/>
+            <a:off x="2346324" y="2162718"/>
+            <a:ext cx="2221713" cy="2873910"/>
           </a:xfrm>
           <a:prstGeom prst="roundRect">
             <a:avLst/>
@@ -3525,1285 +3530,1249 @@
           </a:p>
         </p:txBody>
       </p:sp>
-      <p:grpSp>
-        <p:nvGrpSpPr>
-          <p:cNvPr id="2" name="Group 1">
-            <a:extLst>
-              <a:ext uri="{FF2B5EF4-FFF2-40B4-BE49-F238E27FC236}">
-                <a16:creationId xmlns:a16="http://schemas.microsoft.com/office/drawing/2014/main" id="{DFA39490-B920-DC41-A866-C1219377EA8F}"/>
-              </a:ext>
-            </a:extLst>
-          </p:cNvPr>
-          <p:cNvGrpSpPr/>
+      <p:sp>
+        <p:nvSpPr>
+          <p:cNvPr id="4" name="Multidocument 3">
+            <a:extLst>
+              <a:ext uri="{FF2B5EF4-FFF2-40B4-BE49-F238E27FC236}">
+                <a16:creationId xmlns:a16="http://schemas.microsoft.com/office/drawing/2014/main" id="{D44D42A9-9DCD-2548-876D-EC395E3ACB15}"/>
+              </a:ext>
+            </a:extLst>
+          </p:cNvPr>
+          <p:cNvSpPr/>
           <p:nvPr/>
-        </p:nvGrpSpPr>
-        <p:grpSpPr>
+        </p:nvSpPr>
+        <p:spPr>
           <a:xfrm>
             <a:off x="2166850" y="493216"/>
-            <a:ext cx="6651361" cy="4295161"/>
-            <a:chOff x="2327562" y="132999"/>
-            <a:chExt cx="6651361" cy="4295161"/>
+            <a:ext cx="1235041" cy="900000"/>
           </a:xfrm>
-        </p:grpSpPr>
-        <p:sp>
-          <p:nvSpPr>
-            <p:cNvPr id="4" name="Multidocument 3">
-              <a:extLst>
-                <a:ext uri="{FF2B5EF4-FFF2-40B4-BE49-F238E27FC236}">
-                  <a16:creationId xmlns:a16="http://schemas.microsoft.com/office/drawing/2014/main" id="{D44D42A9-9DCD-2548-876D-EC395E3ACB15}"/>
-                </a:ext>
-              </a:extLst>
-            </p:cNvPr>
-            <p:cNvSpPr/>
-            <p:nvPr/>
-          </p:nvSpPr>
-          <p:spPr>
-            <a:xfrm>
-              <a:off x="2327562" y="132999"/>
-              <a:ext cx="1235041" cy="900000"/>
-            </a:xfrm>
-            <a:prstGeom prst="flowChartMultidocument">
-              <a:avLst/>
-            </a:prstGeom>
+          <a:prstGeom prst="flowChartMultidocument">
+            <a:avLst/>
+          </a:prstGeom>
+          <a:solidFill>
+            <a:schemeClr val="accent6">
+              <a:lumMod val="40000"/>
+              <a:lumOff val="60000"/>
+            </a:schemeClr>
+          </a:solidFill>
+          <a:ln>
             <a:solidFill>
               <a:schemeClr val="accent6">
-                <a:lumMod val="40000"/>
-                <a:lumOff val="60000"/>
+                <a:lumMod val="50000"/>
               </a:schemeClr>
             </a:solidFill>
-            <a:ln>
-              <a:solidFill>
-                <a:schemeClr val="accent6">
-                  <a:lumMod val="50000"/>
-                </a:schemeClr>
-              </a:solidFill>
-            </a:ln>
-          </p:spPr>
-          <p:style>
-            <a:lnRef idx="2">
-              <a:schemeClr val="accent1">
-                <a:shade val="50000"/>
-              </a:schemeClr>
-            </a:lnRef>
-            <a:fillRef idx="1">
-              <a:schemeClr val="accent1"/>
-            </a:fillRef>
-            <a:effectRef idx="0">
-              <a:schemeClr val="accent1"/>
-            </a:effectRef>
-            <a:fontRef idx="minor">
-              <a:schemeClr val="lt1"/>
-            </a:fontRef>
-          </p:style>
-          <p:txBody>
-            <a:bodyPr rtlCol="0" anchor="t" anchorCtr="0"/>
-            <a:lstStyle/>
-            <a:p>
-              <a:pPr algn="ctr"/>
-              <a:r>
-                <a:rPr lang="en-US" dirty="0">
-                  <a:solidFill>
-                    <a:schemeClr val="tx1">
-                      <a:lumMod val="95000"/>
-                      <a:lumOff val="5000"/>
-                    </a:schemeClr>
-                  </a:solidFill>
-                </a:rPr>
-                <a:t>FASTQ</a:t>
-              </a:r>
-            </a:p>
-            <a:p>
-              <a:pPr algn="ctr"/>
-              <a:r>
-                <a:rPr lang="en-US" dirty="0">
-                  <a:solidFill>
-                    <a:schemeClr val="tx1">
-                      <a:lumMod val="95000"/>
-                      <a:lumOff val="5000"/>
-                    </a:schemeClr>
-                  </a:solidFill>
-                </a:rPr>
-                <a:t>(forward)</a:t>
-              </a:r>
-            </a:p>
-          </p:txBody>
-        </p:sp>
-        <p:sp>
-          <p:nvSpPr>
-            <p:cNvPr id="5" name="Multidocument 4">
-              <a:extLst>
-                <a:ext uri="{FF2B5EF4-FFF2-40B4-BE49-F238E27FC236}">
-                  <a16:creationId xmlns:a16="http://schemas.microsoft.com/office/drawing/2014/main" id="{BFF8A46D-DDAF-6549-BA86-F237FEC18D2F}"/>
-                </a:ext>
-              </a:extLst>
-            </p:cNvPr>
-            <p:cNvSpPr/>
-            <p:nvPr/>
-          </p:nvSpPr>
-          <p:spPr>
-            <a:xfrm>
-              <a:off x="3817683" y="132999"/>
-              <a:ext cx="1234800" cy="900000"/>
-            </a:xfrm>
-            <a:prstGeom prst="flowChartMultidocument">
-              <a:avLst/>
-            </a:prstGeom>
+          </a:ln>
+        </p:spPr>
+        <p:style>
+          <a:lnRef idx="2">
+            <a:schemeClr val="accent1">
+              <a:shade val="50000"/>
+            </a:schemeClr>
+          </a:lnRef>
+          <a:fillRef idx="1">
+            <a:schemeClr val="accent1"/>
+          </a:fillRef>
+          <a:effectRef idx="0">
+            <a:schemeClr val="accent1"/>
+          </a:effectRef>
+          <a:fontRef idx="minor">
+            <a:schemeClr val="lt1"/>
+          </a:fontRef>
+        </p:style>
+        <p:txBody>
+          <a:bodyPr rtlCol="0" anchor="t" anchorCtr="0"/>
+          <a:lstStyle/>
+          <a:p>
+            <a:pPr algn="ctr"/>
+            <a:r>
+              <a:rPr lang="en-US" dirty="0">
+                <a:solidFill>
+                  <a:schemeClr val="tx1">
+                    <a:lumMod val="95000"/>
+                    <a:lumOff val="5000"/>
+                  </a:schemeClr>
+                </a:solidFill>
+              </a:rPr>
+              <a:t>FASTQ</a:t>
+            </a:r>
+          </a:p>
+          <a:p>
+            <a:pPr algn="ctr"/>
+            <a:r>
+              <a:rPr lang="en-US" dirty="0">
+                <a:solidFill>
+                  <a:schemeClr val="tx1">
+                    <a:lumMod val="95000"/>
+                    <a:lumOff val="5000"/>
+                  </a:schemeClr>
+                </a:solidFill>
+              </a:rPr>
+              <a:t>(forward)</a:t>
+            </a:r>
+          </a:p>
+        </p:txBody>
+      </p:sp>
+      <p:sp>
+        <p:nvSpPr>
+          <p:cNvPr id="5" name="Multidocument 4">
+            <a:extLst>
+              <a:ext uri="{FF2B5EF4-FFF2-40B4-BE49-F238E27FC236}">
+                <a16:creationId xmlns:a16="http://schemas.microsoft.com/office/drawing/2014/main" id="{BFF8A46D-DDAF-6549-BA86-F237FEC18D2F}"/>
+              </a:ext>
+            </a:extLst>
+          </p:cNvPr>
+          <p:cNvSpPr/>
+          <p:nvPr/>
+        </p:nvSpPr>
+        <p:spPr>
+          <a:xfrm>
+            <a:off x="3656971" y="493216"/>
+            <a:ext cx="1234800" cy="900000"/>
+          </a:xfrm>
+          <a:prstGeom prst="flowChartMultidocument">
+            <a:avLst/>
+          </a:prstGeom>
+          <a:solidFill>
+            <a:schemeClr val="accent6">
+              <a:lumMod val="40000"/>
+              <a:lumOff val="60000"/>
+            </a:schemeClr>
+          </a:solidFill>
+          <a:ln>
             <a:solidFill>
               <a:schemeClr val="accent6">
-                <a:lumMod val="40000"/>
-                <a:lumOff val="60000"/>
+                <a:lumMod val="50000"/>
               </a:schemeClr>
             </a:solidFill>
-            <a:ln>
-              <a:solidFill>
-                <a:schemeClr val="accent6">
-                  <a:lumMod val="50000"/>
-                </a:schemeClr>
-              </a:solidFill>
-            </a:ln>
-          </p:spPr>
-          <p:style>
-            <a:lnRef idx="2">
-              <a:schemeClr val="accent1">
-                <a:shade val="50000"/>
-              </a:schemeClr>
-            </a:lnRef>
-            <a:fillRef idx="1">
-              <a:schemeClr val="accent1"/>
-            </a:fillRef>
-            <a:effectRef idx="0">
-              <a:schemeClr val="accent1"/>
-            </a:effectRef>
-            <a:fontRef idx="minor">
-              <a:schemeClr val="lt1"/>
-            </a:fontRef>
-          </p:style>
-          <p:txBody>
-            <a:bodyPr rtlCol="0" anchor="t" anchorCtr="0"/>
-            <a:lstStyle/>
-            <a:p>
-              <a:pPr algn="ctr"/>
-              <a:r>
-                <a:rPr lang="en-US" dirty="0">
-                  <a:solidFill>
-                    <a:schemeClr val="tx1">
-                      <a:lumMod val="95000"/>
-                      <a:lumOff val="5000"/>
-                    </a:schemeClr>
-                  </a:solidFill>
-                </a:rPr>
-                <a:t>FASTQ</a:t>
-              </a:r>
-            </a:p>
-            <a:p>
-              <a:pPr algn="ctr"/>
-              <a:r>
-                <a:rPr lang="en-US" dirty="0">
-                  <a:solidFill>
-                    <a:schemeClr val="tx1">
-                      <a:lumMod val="95000"/>
-                      <a:lumOff val="5000"/>
-                    </a:schemeClr>
-                  </a:solidFill>
-                </a:rPr>
-                <a:t>(reverse)</a:t>
-              </a:r>
-            </a:p>
-          </p:txBody>
-        </p:sp>
-        <p:sp>
-          <p:nvSpPr>
-            <p:cNvPr id="6" name="Predefined Process 5">
-              <a:extLst>
-                <a:ext uri="{FF2B5EF4-FFF2-40B4-BE49-F238E27FC236}">
-                  <a16:creationId xmlns:a16="http://schemas.microsoft.com/office/drawing/2014/main" id="{F9755461-691B-694C-BEE7-3EFFACE2294B}"/>
-                </a:ext>
-              </a:extLst>
-            </p:cNvPr>
-            <p:cNvSpPr/>
-            <p:nvPr/>
-          </p:nvSpPr>
-          <p:spPr>
-            <a:xfrm>
-              <a:off x="2749598" y="1385133"/>
-              <a:ext cx="1736591" cy="352215"/>
-            </a:xfrm>
-            <a:prstGeom prst="flowChartPredefinedProcess">
-              <a:avLst/>
-            </a:prstGeom>
-          </p:spPr>
-          <p:style>
-            <a:lnRef idx="2">
-              <a:schemeClr val="accent1">
-                <a:shade val="50000"/>
-              </a:schemeClr>
-            </a:lnRef>
-            <a:fillRef idx="1">
-              <a:schemeClr val="accent1"/>
-            </a:fillRef>
-            <a:effectRef idx="0">
-              <a:schemeClr val="accent1"/>
-            </a:effectRef>
-            <a:fontRef idx="minor">
-              <a:schemeClr val="lt1"/>
-            </a:fontRef>
-          </p:style>
-          <p:txBody>
-            <a:bodyPr rtlCol="0" anchor="ctr"/>
-            <a:lstStyle/>
-            <a:p>
-              <a:pPr algn="ctr"/>
-              <a:r>
-                <a:rPr lang="en-US" dirty="0">
-                  <a:latin typeface="Andale Mono" panose="020B0509000000000004" pitchFamily="49" charset="0"/>
-                </a:rPr>
-                <a:t>prepare</a:t>
-              </a:r>
-            </a:p>
-          </p:txBody>
-        </p:sp>
-        <p:cxnSp>
-          <p:nvCxnSpPr>
-            <p:cNvPr id="8" name="Elbow Connector 7">
-              <a:extLst>
-                <a:ext uri="{FF2B5EF4-FFF2-40B4-BE49-F238E27FC236}">
-                  <a16:creationId xmlns:a16="http://schemas.microsoft.com/office/drawing/2014/main" id="{E458BCC6-D8F6-2646-A2AA-BD3BC6AFB190}"/>
-                </a:ext>
-              </a:extLst>
-            </p:cNvPr>
-            <p:cNvCxnSpPr>
-              <a:cxnSpLocks/>
-              <a:stCxn id="5" idx="2"/>
-              <a:endCxn id="6" idx="0"/>
-            </p:cNvCxnSpPr>
-            <p:nvPr/>
-          </p:nvCxnSpPr>
-          <p:spPr>
-            <a:xfrm rot="5400000">
-              <a:off x="3790449" y="826362"/>
-              <a:ext cx="386217" cy="731325"/>
-            </a:xfrm>
-            <a:prstGeom prst="bentConnector3">
-              <a:avLst>
-                <a:gd name="adj1" fmla="val 50000"/>
-              </a:avLst>
-            </a:prstGeom>
-            <a:ln w="31750">
-              <a:tailEnd type="triangle" w="lg" len="med"/>
-            </a:ln>
-          </p:spPr>
-          <p:style>
-            <a:lnRef idx="1">
-              <a:schemeClr val="accent1"/>
-            </a:lnRef>
-            <a:fillRef idx="0">
-              <a:schemeClr val="accent1"/>
-            </a:fillRef>
-            <a:effectRef idx="0">
-              <a:schemeClr val="accent1"/>
-            </a:effectRef>
-            <a:fontRef idx="minor">
-              <a:schemeClr val="tx1"/>
-            </a:fontRef>
-          </p:style>
-        </p:cxnSp>
-        <p:cxnSp>
-          <p:nvCxnSpPr>
-            <p:cNvPr id="10" name="Elbow Connector 9">
-              <a:extLst>
-                <a:ext uri="{FF2B5EF4-FFF2-40B4-BE49-F238E27FC236}">
-                  <a16:creationId xmlns:a16="http://schemas.microsoft.com/office/drawing/2014/main" id="{9BE6A431-FA79-6A45-A2AE-478A4F9128B2}"/>
-                </a:ext>
-              </a:extLst>
-            </p:cNvPr>
-            <p:cNvCxnSpPr>
-              <a:cxnSpLocks/>
-              <a:stCxn id="4" idx="2"/>
-              <a:endCxn id="6" idx="0"/>
-            </p:cNvCxnSpPr>
-            <p:nvPr/>
-          </p:nvCxnSpPr>
-          <p:spPr>
-            <a:xfrm rot="16200000" flipH="1">
-              <a:off x="3045439" y="812677"/>
-              <a:ext cx="386217" cy="758693"/>
-            </a:xfrm>
-            <a:prstGeom prst="bentConnector3">
-              <a:avLst>
-                <a:gd name="adj1" fmla="val 50000"/>
-              </a:avLst>
-            </a:prstGeom>
-            <a:ln w="31750">
-              <a:tailEnd type="triangle" w="lg" len="med"/>
-            </a:ln>
-          </p:spPr>
-          <p:style>
-            <a:lnRef idx="1">
-              <a:schemeClr val="accent1"/>
-            </a:lnRef>
-            <a:fillRef idx="0">
-              <a:schemeClr val="accent1"/>
-            </a:fillRef>
-            <a:effectRef idx="0">
-              <a:schemeClr val="accent1"/>
-            </a:effectRef>
-            <a:fontRef idx="minor">
-              <a:schemeClr val="tx1"/>
-            </a:fontRef>
-          </p:style>
-        </p:cxnSp>
-        <p:cxnSp>
-          <p:nvCxnSpPr>
-            <p:cNvPr id="17" name="Straight Arrow Connector 16">
-              <a:extLst>
-                <a:ext uri="{FF2B5EF4-FFF2-40B4-BE49-F238E27FC236}">
-                  <a16:creationId xmlns:a16="http://schemas.microsoft.com/office/drawing/2014/main" id="{20CD5CD4-19B2-8C4E-A67A-BF4B50310D84}"/>
-                </a:ext>
-              </a:extLst>
-            </p:cNvPr>
-            <p:cNvCxnSpPr>
-              <a:cxnSpLocks/>
-              <a:stCxn id="6" idx="2"/>
-              <a:endCxn id="15" idx="0"/>
-            </p:cNvCxnSpPr>
-            <p:nvPr/>
-          </p:nvCxnSpPr>
-          <p:spPr>
-            <a:xfrm>
-              <a:off x="3617894" y="1737348"/>
-              <a:ext cx="0" cy="219835"/>
-            </a:xfrm>
-            <a:prstGeom prst="straightConnector1">
-              <a:avLst/>
-            </a:prstGeom>
-            <a:ln w="31750">
-              <a:tailEnd type="triangle" w="lg" len="med"/>
-            </a:ln>
-          </p:spPr>
-          <p:style>
-            <a:lnRef idx="1">
-              <a:schemeClr val="accent1"/>
-            </a:lnRef>
-            <a:fillRef idx="0">
-              <a:schemeClr val="accent1"/>
-            </a:fillRef>
-            <a:effectRef idx="0">
-              <a:schemeClr val="accent1"/>
-            </a:effectRef>
-            <a:fontRef idx="minor">
-              <a:schemeClr val="tx1"/>
-            </a:fontRef>
-          </p:style>
-        </p:cxnSp>
-        <p:sp>
-          <p:nvSpPr>
-            <p:cNvPr id="20" name="Predefined Process 19">
-              <a:extLst>
-                <a:ext uri="{FF2B5EF4-FFF2-40B4-BE49-F238E27FC236}">
-                  <a16:creationId xmlns:a16="http://schemas.microsoft.com/office/drawing/2014/main" id="{6D0D1981-42F7-1243-9B82-BD7A2E4B3DA8}"/>
-                </a:ext>
-              </a:extLst>
-            </p:cNvPr>
-            <p:cNvSpPr/>
-            <p:nvPr/>
-          </p:nvSpPr>
-          <p:spPr>
-            <a:xfrm>
-              <a:off x="2749598" y="2970010"/>
-              <a:ext cx="1736592" cy="354625"/>
-            </a:xfrm>
-            <a:prstGeom prst="flowChartPredefinedProcess">
-              <a:avLst/>
-            </a:prstGeom>
-          </p:spPr>
-          <p:style>
-            <a:lnRef idx="2">
-              <a:schemeClr val="accent1">
-                <a:shade val="50000"/>
-              </a:schemeClr>
-            </a:lnRef>
-            <a:fillRef idx="1">
-              <a:schemeClr val="accent1"/>
-            </a:fillRef>
-            <a:effectRef idx="0">
-              <a:schemeClr val="accent1"/>
-            </a:effectRef>
-            <a:fontRef idx="minor">
-              <a:schemeClr val="lt1"/>
-            </a:fontRef>
-          </p:style>
-          <p:txBody>
-            <a:bodyPr rtlCol="0" anchor="ctr"/>
-            <a:lstStyle/>
-            <a:p>
-              <a:pPr algn="ctr"/>
-              <a:r>
-                <a:rPr lang="en-US" dirty="0">
-                  <a:latin typeface="Andale Mono" panose="020B0509000000000004" pitchFamily="49" charset="0"/>
-                </a:rPr>
-                <a:t>classify</a:t>
-              </a:r>
-            </a:p>
-          </p:txBody>
-        </p:sp>
-        <p:sp>
-          <p:nvSpPr>
-            <p:cNvPr id="21" name="Multidocument 20">
-              <a:extLst>
-                <a:ext uri="{FF2B5EF4-FFF2-40B4-BE49-F238E27FC236}">
-                  <a16:creationId xmlns:a16="http://schemas.microsoft.com/office/drawing/2014/main" id="{80D88C06-0847-C44A-8EDE-F5EAAD4DFB85}"/>
-                </a:ext>
-              </a:extLst>
-            </p:cNvPr>
-            <p:cNvSpPr/>
-            <p:nvPr/>
-          </p:nvSpPr>
-          <p:spPr>
-            <a:xfrm>
-              <a:off x="2630127" y="3528160"/>
-              <a:ext cx="1736592" cy="900000"/>
-            </a:xfrm>
-            <a:prstGeom prst="flowChartMultidocument">
-              <a:avLst/>
-            </a:prstGeom>
+          </a:ln>
+        </p:spPr>
+        <p:style>
+          <a:lnRef idx="2">
+            <a:schemeClr val="accent1">
+              <a:shade val="50000"/>
+            </a:schemeClr>
+          </a:lnRef>
+          <a:fillRef idx="1">
+            <a:schemeClr val="accent1"/>
+          </a:fillRef>
+          <a:effectRef idx="0">
+            <a:schemeClr val="accent1"/>
+          </a:effectRef>
+          <a:fontRef idx="minor">
+            <a:schemeClr val="lt1"/>
+          </a:fontRef>
+        </p:style>
+        <p:txBody>
+          <a:bodyPr rtlCol="0" anchor="t" anchorCtr="0"/>
+          <a:lstStyle/>
+          <a:p>
+            <a:pPr algn="ctr"/>
+            <a:r>
+              <a:rPr lang="en-US" dirty="0">
+                <a:solidFill>
+                  <a:schemeClr val="tx1">
+                    <a:lumMod val="95000"/>
+                    <a:lumOff val="5000"/>
+                  </a:schemeClr>
+                </a:solidFill>
+              </a:rPr>
+              <a:t>FASTQ</a:t>
+            </a:r>
+          </a:p>
+          <a:p>
+            <a:pPr algn="ctr"/>
+            <a:r>
+              <a:rPr lang="en-US" dirty="0">
+                <a:solidFill>
+                  <a:schemeClr val="tx1">
+                    <a:lumMod val="95000"/>
+                    <a:lumOff val="5000"/>
+                  </a:schemeClr>
+                </a:solidFill>
+              </a:rPr>
+              <a:t>(reverse)</a:t>
+            </a:r>
+          </a:p>
+        </p:txBody>
+      </p:sp>
+      <p:sp>
+        <p:nvSpPr>
+          <p:cNvPr id="6" name="Predefined Process 5">
+            <a:extLst>
+              <a:ext uri="{FF2B5EF4-FFF2-40B4-BE49-F238E27FC236}">
+                <a16:creationId xmlns:a16="http://schemas.microsoft.com/office/drawing/2014/main" id="{F9755461-691B-694C-BEE7-3EFFACE2294B}"/>
+              </a:ext>
+            </a:extLst>
+          </p:cNvPr>
+          <p:cNvSpPr/>
+          <p:nvPr/>
+        </p:nvSpPr>
+        <p:spPr>
+          <a:xfrm>
+            <a:off x="2588886" y="1745350"/>
+            <a:ext cx="1736591" cy="352215"/>
+          </a:xfrm>
+          <a:prstGeom prst="flowChartPredefinedProcess">
+            <a:avLst/>
+          </a:prstGeom>
+        </p:spPr>
+        <p:style>
+          <a:lnRef idx="2">
+            <a:schemeClr val="accent1">
+              <a:shade val="50000"/>
+            </a:schemeClr>
+          </a:lnRef>
+          <a:fillRef idx="1">
+            <a:schemeClr val="accent1"/>
+          </a:fillRef>
+          <a:effectRef idx="0">
+            <a:schemeClr val="accent1"/>
+          </a:effectRef>
+          <a:fontRef idx="minor">
+            <a:schemeClr val="lt1"/>
+          </a:fontRef>
+        </p:style>
+        <p:txBody>
+          <a:bodyPr rtlCol="0" anchor="ctr"/>
+          <a:lstStyle/>
+          <a:p>
+            <a:pPr algn="ctr"/>
+            <a:r>
+              <a:rPr lang="en-US" dirty="0">
+                <a:latin typeface="Andale Mono" panose="020B0509000000000004" pitchFamily="49" charset="0"/>
+              </a:rPr>
+              <a:t>prepare</a:t>
+            </a:r>
+          </a:p>
+        </p:txBody>
+      </p:sp>
+      <p:cxnSp>
+        <p:nvCxnSpPr>
+          <p:cNvPr id="8" name="Elbow Connector 7">
+            <a:extLst>
+              <a:ext uri="{FF2B5EF4-FFF2-40B4-BE49-F238E27FC236}">
+                <a16:creationId xmlns:a16="http://schemas.microsoft.com/office/drawing/2014/main" id="{E458BCC6-D8F6-2646-A2AA-BD3BC6AFB190}"/>
+              </a:ext>
+            </a:extLst>
+          </p:cNvPr>
+          <p:cNvCxnSpPr>
+            <a:cxnSpLocks/>
+            <a:stCxn id="5" idx="2"/>
+            <a:endCxn id="6" idx="0"/>
+          </p:cNvCxnSpPr>
+          <p:nvPr/>
+        </p:nvCxnSpPr>
+        <p:spPr>
+          <a:xfrm rot="5400000">
+            <a:off x="3629737" y="1186579"/>
+            <a:ext cx="386217" cy="731325"/>
+          </a:xfrm>
+          <a:prstGeom prst="bentConnector3">
+            <a:avLst>
+              <a:gd name="adj1" fmla="val 50000"/>
+            </a:avLst>
+          </a:prstGeom>
+          <a:ln w="31750">
+            <a:tailEnd type="triangle" w="lg" len="med"/>
+          </a:ln>
+        </p:spPr>
+        <p:style>
+          <a:lnRef idx="1">
+            <a:schemeClr val="accent1"/>
+          </a:lnRef>
+          <a:fillRef idx="0">
+            <a:schemeClr val="accent1"/>
+          </a:fillRef>
+          <a:effectRef idx="0">
+            <a:schemeClr val="accent1"/>
+          </a:effectRef>
+          <a:fontRef idx="minor">
+            <a:schemeClr val="tx1"/>
+          </a:fontRef>
+        </p:style>
+      </p:cxnSp>
+      <p:cxnSp>
+        <p:nvCxnSpPr>
+          <p:cNvPr id="10" name="Elbow Connector 9">
+            <a:extLst>
+              <a:ext uri="{FF2B5EF4-FFF2-40B4-BE49-F238E27FC236}">
+                <a16:creationId xmlns:a16="http://schemas.microsoft.com/office/drawing/2014/main" id="{9BE6A431-FA79-6A45-A2AE-478A4F9128B2}"/>
+              </a:ext>
+            </a:extLst>
+          </p:cNvPr>
+          <p:cNvCxnSpPr>
+            <a:cxnSpLocks/>
+            <a:stCxn id="4" idx="2"/>
+            <a:endCxn id="6" idx="0"/>
+          </p:cNvCxnSpPr>
+          <p:nvPr/>
+        </p:nvCxnSpPr>
+        <p:spPr>
+          <a:xfrm rot="16200000" flipH="1">
+            <a:off x="2884727" y="1172894"/>
+            <a:ext cx="386217" cy="758693"/>
+          </a:xfrm>
+          <a:prstGeom prst="bentConnector3">
+            <a:avLst>
+              <a:gd name="adj1" fmla="val 50000"/>
+            </a:avLst>
+          </a:prstGeom>
+          <a:ln w="31750">
+            <a:tailEnd type="triangle" w="lg" len="med"/>
+          </a:ln>
+        </p:spPr>
+        <p:style>
+          <a:lnRef idx="1">
+            <a:schemeClr val="accent1"/>
+          </a:lnRef>
+          <a:fillRef idx="0">
+            <a:schemeClr val="accent1"/>
+          </a:fillRef>
+          <a:effectRef idx="0">
+            <a:schemeClr val="accent1"/>
+          </a:effectRef>
+          <a:fontRef idx="minor">
+            <a:schemeClr val="tx1"/>
+          </a:fontRef>
+        </p:style>
+      </p:cxnSp>
+      <p:cxnSp>
+        <p:nvCxnSpPr>
+          <p:cNvPr id="17" name="Straight Arrow Connector 16">
+            <a:extLst>
+              <a:ext uri="{FF2B5EF4-FFF2-40B4-BE49-F238E27FC236}">
+                <a16:creationId xmlns:a16="http://schemas.microsoft.com/office/drawing/2014/main" id="{20CD5CD4-19B2-8C4E-A67A-BF4B50310D84}"/>
+              </a:ext>
+            </a:extLst>
+          </p:cNvPr>
+          <p:cNvCxnSpPr>
+            <a:cxnSpLocks/>
+            <a:stCxn id="6" idx="2"/>
+            <a:endCxn id="15" idx="0"/>
+          </p:cNvCxnSpPr>
+          <p:nvPr/>
+        </p:nvCxnSpPr>
+        <p:spPr>
+          <a:xfrm>
+            <a:off x="3457182" y="2097565"/>
+            <a:ext cx="0" cy="219835"/>
+          </a:xfrm>
+          <a:prstGeom prst="straightConnector1">
+            <a:avLst/>
+          </a:prstGeom>
+          <a:ln w="31750">
+            <a:tailEnd type="triangle" w="lg" len="med"/>
+          </a:ln>
+        </p:spPr>
+        <p:style>
+          <a:lnRef idx="1">
+            <a:schemeClr val="accent1"/>
+          </a:lnRef>
+          <a:fillRef idx="0">
+            <a:schemeClr val="accent1"/>
+          </a:fillRef>
+          <a:effectRef idx="0">
+            <a:schemeClr val="accent1"/>
+          </a:effectRef>
+          <a:fontRef idx="minor">
+            <a:schemeClr val="tx1"/>
+          </a:fontRef>
+        </p:style>
+      </p:cxnSp>
+      <p:sp>
+        <p:nvSpPr>
+          <p:cNvPr id="20" name="Predefined Process 19">
+            <a:extLst>
+              <a:ext uri="{FF2B5EF4-FFF2-40B4-BE49-F238E27FC236}">
+                <a16:creationId xmlns:a16="http://schemas.microsoft.com/office/drawing/2014/main" id="{6D0D1981-42F7-1243-9B82-BD7A2E4B3DA8}"/>
+              </a:ext>
+            </a:extLst>
+          </p:cNvPr>
+          <p:cNvSpPr/>
+          <p:nvPr/>
+        </p:nvSpPr>
+        <p:spPr>
+          <a:xfrm>
+            <a:off x="2588886" y="3351247"/>
+            <a:ext cx="1736592" cy="354625"/>
+          </a:xfrm>
+          <a:prstGeom prst="flowChartPredefinedProcess">
+            <a:avLst/>
+          </a:prstGeom>
+        </p:spPr>
+        <p:style>
+          <a:lnRef idx="2">
+            <a:schemeClr val="accent1">
+              <a:shade val="50000"/>
+            </a:schemeClr>
+          </a:lnRef>
+          <a:fillRef idx="1">
+            <a:schemeClr val="accent1"/>
+          </a:fillRef>
+          <a:effectRef idx="0">
+            <a:schemeClr val="accent1"/>
+          </a:effectRef>
+          <a:fontRef idx="minor">
+            <a:schemeClr val="lt1"/>
+          </a:fontRef>
+        </p:style>
+        <p:txBody>
+          <a:bodyPr rtlCol="0" anchor="ctr"/>
+          <a:lstStyle/>
+          <a:p>
+            <a:pPr algn="ctr"/>
+            <a:r>
+              <a:rPr lang="en-US" dirty="0">
+                <a:latin typeface="Andale Mono" panose="020B0509000000000004" pitchFamily="49" charset="0"/>
+              </a:rPr>
+              <a:t>classify</a:t>
+            </a:r>
+          </a:p>
+        </p:txBody>
+      </p:sp>
+      <p:cxnSp>
+        <p:nvCxnSpPr>
+          <p:cNvPr id="22" name="Straight Arrow Connector 21">
+            <a:extLst>
+              <a:ext uri="{FF2B5EF4-FFF2-40B4-BE49-F238E27FC236}">
+                <a16:creationId xmlns:a16="http://schemas.microsoft.com/office/drawing/2014/main" id="{A09C523A-EE6B-D048-9DD5-64BEE1B1EF37}"/>
+              </a:ext>
+            </a:extLst>
+          </p:cNvPr>
+          <p:cNvCxnSpPr>
+            <a:cxnSpLocks/>
+            <a:stCxn id="15" idx="0"/>
+            <a:endCxn id="20" idx="0"/>
+          </p:cNvCxnSpPr>
+          <p:nvPr/>
+        </p:nvCxnSpPr>
+        <p:spPr>
+          <a:xfrm>
+            <a:off x="3457182" y="2317400"/>
+            <a:ext cx="0" cy="1033847"/>
+          </a:xfrm>
+          <a:prstGeom prst="straightConnector1">
+            <a:avLst/>
+          </a:prstGeom>
+          <a:ln w="31750">
+            <a:tailEnd type="triangle" w="lg" len="med"/>
+          </a:ln>
+        </p:spPr>
+        <p:style>
+          <a:lnRef idx="1">
+            <a:schemeClr val="accent1"/>
+          </a:lnRef>
+          <a:fillRef idx="0">
+            <a:schemeClr val="accent1"/>
+          </a:fillRef>
+          <a:effectRef idx="0">
+            <a:schemeClr val="accent1"/>
+          </a:effectRef>
+          <a:fontRef idx="minor">
+            <a:schemeClr val="tx1"/>
+          </a:fontRef>
+        </p:style>
+      </p:cxnSp>
+      <p:cxnSp>
+        <p:nvCxnSpPr>
+          <p:cNvPr id="25" name="Straight Arrow Connector 24">
+            <a:extLst>
+              <a:ext uri="{FF2B5EF4-FFF2-40B4-BE49-F238E27FC236}">
+                <a16:creationId xmlns:a16="http://schemas.microsoft.com/office/drawing/2014/main" id="{E9A71320-AD7C-E141-9B63-C5F4C26CFCD2}"/>
+              </a:ext>
+            </a:extLst>
+          </p:cNvPr>
+          <p:cNvCxnSpPr>
+            <a:cxnSpLocks/>
+            <a:stCxn id="20" idx="2"/>
+          </p:cNvCxnSpPr>
+          <p:nvPr/>
+        </p:nvCxnSpPr>
+        <p:spPr>
+          <a:xfrm>
+            <a:off x="3457182" y="3705872"/>
+            <a:ext cx="0" cy="333949"/>
+          </a:xfrm>
+          <a:prstGeom prst="straightConnector1">
+            <a:avLst/>
+          </a:prstGeom>
+          <a:ln w="31750">
+            <a:tailEnd type="triangle" w="lg" len="med"/>
+          </a:ln>
+        </p:spPr>
+        <p:style>
+          <a:lnRef idx="1">
+            <a:schemeClr val="accent1"/>
+          </a:lnRef>
+          <a:fillRef idx="0">
+            <a:schemeClr val="accent1"/>
+          </a:fillRef>
+          <a:effectRef idx="0">
+            <a:schemeClr val="accent1"/>
+          </a:effectRef>
+          <a:fontRef idx="minor">
+            <a:schemeClr val="tx1"/>
+          </a:fontRef>
+        </p:style>
+      </p:cxnSp>
+      <p:sp>
+        <p:nvSpPr>
+          <p:cNvPr id="39" name="Direct Access Storage 38">
+            <a:extLst>
+              <a:ext uri="{FF2B5EF4-FFF2-40B4-BE49-F238E27FC236}">
+                <a16:creationId xmlns:a16="http://schemas.microsoft.com/office/drawing/2014/main" id="{1E343600-653D-E140-9248-C69F229F6E8C}"/>
+              </a:ext>
+            </a:extLst>
+          </p:cNvPr>
+          <p:cNvSpPr/>
+          <p:nvPr/>
+        </p:nvSpPr>
+        <p:spPr>
+          <a:xfrm>
+            <a:off x="4710958" y="3205947"/>
+            <a:ext cx="2128058" cy="652838"/>
+          </a:xfrm>
+          <a:prstGeom prst="flowChartMagneticDrum">
+            <a:avLst/>
+          </a:prstGeom>
+          <a:solidFill>
+            <a:schemeClr val="accent1">
+              <a:lumMod val="40000"/>
+              <a:lumOff val="60000"/>
+            </a:schemeClr>
+          </a:solidFill>
+          <a:ln>
             <a:solidFill>
-              <a:schemeClr val="accent4">
-                <a:lumMod val="40000"/>
-                <a:lumOff val="60000"/>
+              <a:schemeClr val="tx1">
+                <a:lumMod val="95000"/>
+                <a:lumOff val="5000"/>
               </a:schemeClr>
             </a:solidFill>
-            <a:ln>
+          </a:ln>
+        </p:spPr>
+        <p:style>
+          <a:lnRef idx="2">
+            <a:schemeClr val="accent1">
+              <a:shade val="50000"/>
+            </a:schemeClr>
+          </a:lnRef>
+          <a:fillRef idx="1">
+            <a:schemeClr val="accent1"/>
+          </a:fillRef>
+          <a:effectRef idx="0">
+            <a:schemeClr val="accent1"/>
+          </a:effectRef>
+          <a:fontRef idx="minor">
+            <a:schemeClr val="lt1"/>
+          </a:fontRef>
+        </p:style>
+        <p:txBody>
+          <a:bodyPr rtlCol="0" anchor="ctr"/>
+          <a:lstStyle/>
+          <a:p>
+            <a:pPr algn="ctr"/>
+            <a:r>
+              <a:rPr lang="en-US" dirty="0">
+                <a:solidFill>
+                  <a:schemeClr val="tx1">
+                    <a:lumMod val="95000"/>
+                    <a:lumOff val="5000"/>
+                  </a:schemeClr>
+                </a:solidFill>
+              </a:rPr>
+              <a:t>ITS1 Database</a:t>
+            </a:r>
+          </a:p>
+        </p:txBody>
+      </p:sp>
+      <p:cxnSp>
+        <p:nvCxnSpPr>
+          <p:cNvPr id="40" name="Straight Arrow Connector 39">
+            <a:extLst>
+              <a:ext uri="{FF2B5EF4-FFF2-40B4-BE49-F238E27FC236}">
+                <a16:creationId xmlns:a16="http://schemas.microsoft.com/office/drawing/2014/main" id="{C1C55D77-C6F0-6348-AD64-F1270D96C8A8}"/>
+              </a:ext>
+            </a:extLst>
+          </p:cNvPr>
+          <p:cNvCxnSpPr>
+            <a:cxnSpLocks/>
+            <a:stCxn id="39" idx="1"/>
+            <a:endCxn id="20" idx="3"/>
+          </p:cNvCxnSpPr>
+          <p:nvPr/>
+        </p:nvCxnSpPr>
+        <p:spPr>
+          <a:xfrm flipH="1" flipV="1">
+            <a:off x="4325478" y="3528560"/>
+            <a:ext cx="385480" cy="3806"/>
+          </a:xfrm>
+          <a:prstGeom prst="straightConnector1">
+            <a:avLst/>
+          </a:prstGeom>
+          <a:ln w="31750">
+            <a:tailEnd type="triangle" w="lg" len="med"/>
+          </a:ln>
+        </p:spPr>
+        <p:style>
+          <a:lnRef idx="1">
+            <a:schemeClr val="accent1"/>
+          </a:lnRef>
+          <a:fillRef idx="0">
+            <a:schemeClr val="accent1"/>
+          </a:fillRef>
+          <a:effectRef idx="0">
+            <a:schemeClr val="accent1"/>
+          </a:effectRef>
+          <a:fontRef idx="minor">
+            <a:schemeClr val="tx1"/>
+          </a:fontRef>
+        </p:style>
+      </p:cxnSp>
+      <p:sp>
+        <p:nvSpPr>
+          <p:cNvPr id="15" name="Multidocument 14">
+            <a:extLst>
+              <a:ext uri="{FF2B5EF4-FFF2-40B4-BE49-F238E27FC236}">
+                <a16:creationId xmlns:a16="http://schemas.microsoft.com/office/drawing/2014/main" id="{805A0180-590E-BC4E-92B1-B71F63777EC0}"/>
+              </a:ext>
+            </a:extLst>
+          </p:cNvPr>
+          <p:cNvSpPr/>
+          <p:nvPr/>
+        </p:nvSpPr>
+        <p:spPr>
+          <a:xfrm>
+            <a:off x="2469415" y="2317400"/>
+            <a:ext cx="1736592" cy="900000"/>
+          </a:xfrm>
+          <a:prstGeom prst="flowChartMultidocument">
+            <a:avLst/>
+          </a:prstGeom>
+          <a:solidFill>
+            <a:schemeClr val="accent4">
+              <a:lumMod val="40000"/>
+              <a:lumOff val="60000"/>
+            </a:schemeClr>
+          </a:solidFill>
+          <a:ln>
+            <a:solidFill>
+              <a:schemeClr val="tx1">
+                <a:lumMod val="95000"/>
+                <a:lumOff val="5000"/>
+              </a:schemeClr>
+            </a:solidFill>
+          </a:ln>
+        </p:spPr>
+        <p:style>
+          <a:lnRef idx="2">
+            <a:schemeClr val="accent1">
+              <a:shade val="50000"/>
+            </a:schemeClr>
+          </a:lnRef>
+          <a:fillRef idx="1">
+            <a:schemeClr val="accent1"/>
+          </a:fillRef>
+          <a:effectRef idx="0">
+            <a:schemeClr val="accent1"/>
+          </a:effectRef>
+          <a:fontRef idx="minor">
+            <a:schemeClr val="lt1"/>
+          </a:fontRef>
+        </p:style>
+        <p:txBody>
+          <a:bodyPr rtlCol="0" anchor="t" anchorCtr="0"/>
+          <a:lstStyle/>
+          <a:p>
+            <a:pPr algn="ctr"/>
+            <a:r>
+              <a:rPr lang="en-US" dirty="0">
+                <a:solidFill>
+                  <a:schemeClr val="tx1">
+                    <a:lumMod val="95000"/>
+                    <a:lumOff val="5000"/>
+                  </a:schemeClr>
+                </a:solidFill>
+              </a:rPr>
+              <a:t>FASTA</a:t>
+            </a:r>
+          </a:p>
+          <a:p>
+            <a:pPr algn="ctr"/>
+            <a:r>
+              <a:rPr lang="en-US" dirty="0">
+                <a:solidFill>
+                  <a:schemeClr val="tx1">
+                    <a:lumMod val="95000"/>
+                    <a:lumOff val="5000"/>
+                  </a:schemeClr>
+                </a:solidFill>
+              </a:rPr>
+              <a:t>(per sample)</a:t>
+            </a:r>
+          </a:p>
+        </p:txBody>
+      </p:sp>
+      <p:sp>
+        <p:nvSpPr>
+          <p:cNvPr id="43" name="Predefined Process 42">
+            <a:extLst>
+              <a:ext uri="{FF2B5EF4-FFF2-40B4-BE49-F238E27FC236}">
+                <a16:creationId xmlns:a16="http://schemas.microsoft.com/office/drawing/2014/main" id="{6099AFEC-ED7E-F149-8E5B-D69D838E0DE5}"/>
+              </a:ext>
+            </a:extLst>
+          </p:cNvPr>
+          <p:cNvSpPr/>
+          <p:nvPr/>
+        </p:nvSpPr>
+        <p:spPr>
+          <a:xfrm>
+            <a:off x="4710958" y="4086691"/>
+            <a:ext cx="2128058" cy="356232"/>
+          </a:xfrm>
+          <a:prstGeom prst="flowChartPredefinedProcess">
+            <a:avLst/>
+          </a:prstGeom>
+        </p:spPr>
+        <p:style>
+          <a:lnRef idx="2">
+            <a:schemeClr val="accent1">
+              <a:shade val="50000"/>
+            </a:schemeClr>
+          </a:lnRef>
+          <a:fillRef idx="1">
+            <a:schemeClr val="accent1"/>
+          </a:fillRef>
+          <a:effectRef idx="0">
+            <a:schemeClr val="accent1"/>
+          </a:effectRef>
+          <a:fontRef idx="minor">
+            <a:schemeClr val="lt1"/>
+          </a:fontRef>
+        </p:style>
+        <p:txBody>
+          <a:bodyPr rtlCol="0" anchor="ctr"/>
+          <a:lstStyle/>
+          <a:p>
+            <a:pPr algn="ctr"/>
+            <a:r>
+              <a:rPr lang="en-US" dirty="0">
+                <a:latin typeface="Andale Mono" panose="020B0509000000000004" pitchFamily="49" charset="0"/>
+              </a:rPr>
+              <a:t>summary</a:t>
+            </a:r>
+          </a:p>
+        </p:txBody>
+      </p:sp>
+      <p:cxnSp>
+        <p:nvCxnSpPr>
+          <p:cNvPr id="44" name="Straight Arrow Connector 43">
+            <a:extLst>
+              <a:ext uri="{FF2B5EF4-FFF2-40B4-BE49-F238E27FC236}">
+                <a16:creationId xmlns:a16="http://schemas.microsoft.com/office/drawing/2014/main" id="{36C4303B-5844-C84D-8E8F-F867F542A252}"/>
+              </a:ext>
+            </a:extLst>
+          </p:cNvPr>
+          <p:cNvCxnSpPr>
+            <a:cxnSpLocks/>
+            <a:stCxn id="28" idx="3"/>
+            <a:endCxn id="43" idx="1"/>
+          </p:cNvCxnSpPr>
+          <p:nvPr/>
+        </p:nvCxnSpPr>
+        <p:spPr>
+          <a:xfrm flipV="1">
+            <a:off x="4163961" y="4264807"/>
+            <a:ext cx="546997" cy="3700"/>
+          </a:xfrm>
+          <a:prstGeom prst="straightConnector1">
+            <a:avLst/>
+          </a:prstGeom>
+          <a:ln w="31750">
+            <a:tailEnd type="triangle" w="lg" len="med"/>
+          </a:ln>
+        </p:spPr>
+        <p:style>
+          <a:lnRef idx="1">
+            <a:schemeClr val="accent1"/>
+          </a:lnRef>
+          <a:fillRef idx="0">
+            <a:schemeClr val="accent1"/>
+          </a:fillRef>
+          <a:effectRef idx="0">
+            <a:schemeClr val="accent1"/>
+          </a:effectRef>
+          <a:fontRef idx="minor">
+            <a:schemeClr val="tx1"/>
+          </a:fontRef>
+        </p:style>
+      </p:cxnSp>
+      <p:sp>
+        <p:nvSpPr>
+          <p:cNvPr id="62" name="Predefined Process 61">
+            <a:extLst>
+              <a:ext uri="{FF2B5EF4-FFF2-40B4-BE49-F238E27FC236}">
+                <a16:creationId xmlns:a16="http://schemas.microsoft.com/office/drawing/2014/main" id="{7013FA66-4919-A746-8849-FF5694458897}"/>
+              </a:ext>
+            </a:extLst>
+          </p:cNvPr>
+          <p:cNvSpPr/>
+          <p:nvPr/>
+        </p:nvSpPr>
+        <p:spPr>
+          <a:xfrm>
+            <a:off x="4710958" y="2591689"/>
+            <a:ext cx="2128058" cy="352215"/>
+          </a:xfrm>
+          <a:prstGeom prst="flowChartPredefinedProcess">
+            <a:avLst/>
+          </a:prstGeom>
+        </p:spPr>
+        <p:style>
+          <a:lnRef idx="2">
+            <a:schemeClr val="accent1">
+              <a:shade val="50000"/>
+            </a:schemeClr>
+          </a:lnRef>
+          <a:fillRef idx="1">
+            <a:schemeClr val="accent1"/>
+          </a:fillRef>
+          <a:effectRef idx="0">
+            <a:schemeClr val="accent1"/>
+          </a:effectRef>
+          <a:fontRef idx="minor">
+            <a:schemeClr val="lt1"/>
+          </a:fontRef>
+        </p:style>
+        <p:txBody>
+          <a:bodyPr rtlCol="0" anchor="ctr"/>
+          <a:lstStyle/>
+          <a:p>
+            <a:pPr algn="ctr"/>
+            <a:r>
+              <a:rPr lang="en-US" dirty="0">
+                <a:latin typeface="Andale Mono" panose="020B0509000000000004" pitchFamily="49" charset="0"/>
+              </a:rPr>
+              <a:t>edit-graph</a:t>
+            </a:r>
+          </a:p>
+        </p:txBody>
+      </p:sp>
+      <p:cxnSp>
+        <p:nvCxnSpPr>
+          <p:cNvPr id="63" name="Straight Arrow Connector 62">
+            <a:extLst>
+              <a:ext uri="{FF2B5EF4-FFF2-40B4-BE49-F238E27FC236}">
+                <a16:creationId xmlns:a16="http://schemas.microsoft.com/office/drawing/2014/main" id="{E096ADE7-A31A-3D4C-91CF-D2A366202D60}"/>
+              </a:ext>
+            </a:extLst>
+          </p:cNvPr>
+          <p:cNvCxnSpPr>
+            <a:cxnSpLocks/>
+            <a:stCxn id="15" idx="3"/>
+            <a:endCxn id="62" idx="1"/>
+          </p:cNvCxnSpPr>
+          <p:nvPr/>
+        </p:nvCxnSpPr>
+        <p:spPr>
+          <a:xfrm>
+            <a:off x="4206007" y="2767400"/>
+            <a:ext cx="504951" cy="397"/>
+          </a:xfrm>
+          <a:prstGeom prst="straightConnector1">
+            <a:avLst/>
+          </a:prstGeom>
+          <a:ln w="31750">
+            <a:tailEnd type="triangle" w="lg" len="med"/>
+          </a:ln>
+        </p:spPr>
+        <p:style>
+          <a:lnRef idx="1">
+            <a:schemeClr val="accent1"/>
+          </a:lnRef>
+          <a:fillRef idx="0">
+            <a:schemeClr val="accent1"/>
+          </a:fillRef>
+          <a:effectRef idx="0">
+            <a:schemeClr val="accent1"/>
+          </a:effectRef>
+          <a:fontRef idx="minor">
+            <a:schemeClr val="tx1"/>
+          </a:fontRef>
+        </p:style>
+      </p:cxnSp>
+      <p:cxnSp>
+        <p:nvCxnSpPr>
+          <p:cNvPr id="142" name="Straight Arrow Connector 141">
+            <a:extLst>
+              <a:ext uri="{FF2B5EF4-FFF2-40B4-BE49-F238E27FC236}">
+                <a16:creationId xmlns:a16="http://schemas.microsoft.com/office/drawing/2014/main" id="{78837652-7F47-2241-9483-A176E72A44F8}"/>
+              </a:ext>
+            </a:extLst>
+          </p:cNvPr>
+          <p:cNvCxnSpPr>
+            <a:cxnSpLocks/>
+            <a:stCxn id="39" idx="0"/>
+            <a:endCxn id="62" idx="2"/>
+          </p:cNvCxnSpPr>
+          <p:nvPr/>
+        </p:nvCxnSpPr>
+        <p:spPr>
+          <a:xfrm flipV="1">
+            <a:off x="5774987" y="2943904"/>
+            <a:ext cx="0" cy="262043"/>
+          </a:xfrm>
+          <a:prstGeom prst="straightConnector1">
+            <a:avLst/>
+          </a:prstGeom>
+          <a:ln w="31750">
+            <a:tailEnd type="triangle" w="lg" len="med"/>
+          </a:ln>
+        </p:spPr>
+        <p:style>
+          <a:lnRef idx="1">
+            <a:schemeClr val="accent1"/>
+          </a:lnRef>
+          <a:fillRef idx="0">
+            <a:schemeClr val="accent1"/>
+          </a:fillRef>
+          <a:effectRef idx="0">
+            <a:schemeClr val="accent1"/>
+          </a:effectRef>
+          <a:fontRef idx="minor">
+            <a:schemeClr val="tx1"/>
+          </a:fontRef>
+        </p:style>
+      </p:cxnSp>
+      <p:sp>
+        <p:nvSpPr>
+          <p:cNvPr id="145" name="Document 144">
+            <a:extLst>
+              <a:ext uri="{FF2B5EF4-FFF2-40B4-BE49-F238E27FC236}">
+                <a16:creationId xmlns:a16="http://schemas.microsoft.com/office/drawing/2014/main" id="{9ADFCDE7-9EB0-2F4E-A449-9BAE26E58B05}"/>
+              </a:ext>
+            </a:extLst>
+          </p:cNvPr>
+          <p:cNvSpPr/>
+          <p:nvPr/>
+        </p:nvSpPr>
+        <p:spPr>
+          <a:xfrm>
+            <a:off x="7156171" y="2362400"/>
+            <a:ext cx="1620000" cy="810000"/>
+          </a:xfrm>
+          <a:prstGeom prst="flowChartDocument">
+            <a:avLst/>
+          </a:prstGeom>
+          <a:solidFill>
+            <a:schemeClr val="accent2">
+              <a:lumMod val="40000"/>
+              <a:lumOff val="60000"/>
+            </a:schemeClr>
+          </a:solidFill>
+          <a:ln>
+            <a:solidFill>
+              <a:schemeClr val="tx1">
+                <a:lumMod val="95000"/>
+                <a:lumOff val="5000"/>
+              </a:schemeClr>
+            </a:solidFill>
+          </a:ln>
+        </p:spPr>
+        <p:style>
+          <a:lnRef idx="2">
+            <a:schemeClr val="accent1">
+              <a:shade val="50000"/>
+            </a:schemeClr>
+          </a:lnRef>
+          <a:fillRef idx="1">
+            <a:schemeClr val="accent1"/>
+          </a:fillRef>
+          <a:effectRef idx="0">
+            <a:schemeClr val="accent1"/>
+          </a:effectRef>
+          <a:fontRef idx="minor">
+            <a:schemeClr val="lt1"/>
+          </a:fontRef>
+        </p:style>
+        <p:txBody>
+          <a:bodyPr rtlCol="0" anchor="t" anchorCtr="0"/>
+          <a:lstStyle/>
+          <a:p>
+            <a:pPr algn="ctr"/>
+            <a:r>
+              <a:rPr lang="en-US" dirty="0">
+                <a:solidFill>
+                  <a:schemeClr val="tx1">
+                    <a:lumMod val="95000"/>
+                    <a:lumOff val="5000"/>
+                  </a:schemeClr>
+                </a:solidFill>
+              </a:rPr>
+              <a:t>XGMML graph</a:t>
+            </a:r>
+          </a:p>
+          <a:p>
+            <a:pPr algn="ctr"/>
+            <a:r>
+              <a:rPr lang="en-US" dirty="0">
+                <a:solidFill>
+                  <a:schemeClr val="tx1">
+                    <a:lumMod val="95000"/>
+                    <a:lumOff val="5000"/>
+                  </a:schemeClr>
+                </a:solidFill>
+              </a:rPr>
+              <a:t>for </a:t>
+            </a:r>
+            <a:r>
+              <a:rPr lang="en-US" dirty="0" err="1">
+                <a:solidFill>
+                  <a:schemeClr val="tx1">
+                    <a:lumMod val="95000"/>
+                    <a:lumOff val="5000"/>
+                  </a:schemeClr>
+                </a:solidFill>
+              </a:rPr>
+              <a:t>Cytoscape</a:t>
+            </a:r>
+            <a:endParaRPr lang="en-US" dirty="0">
               <a:solidFill>
                 <a:schemeClr val="tx1">
                   <a:lumMod val="95000"/>
                   <a:lumOff val="5000"/>
                 </a:schemeClr>
               </a:solidFill>
-            </a:ln>
-          </p:spPr>
-          <p:style>
-            <a:lnRef idx="2">
-              <a:schemeClr val="accent1">
-                <a:shade val="50000"/>
-              </a:schemeClr>
-            </a:lnRef>
-            <a:fillRef idx="1">
-              <a:schemeClr val="accent1"/>
-            </a:fillRef>
-            <a:effectRef idx="0">
-              <a:schemeClr val="accent1"/>
-            </a:effectRef>
-            <a:fontRef idx="minor">
-              <a:schemeClr val="lt1"/>
-            </a:fontRef>
-          </p:style>
-          <p:txBody>
-            <a:bodyPr rtlCol="0" anchor="t" anchorCtr="0"/>
-            <a:lstStyle/>
-            <a:p>
-              <a:pPr algn="ctr"/>
-              <a:r>
-                <a:rPr lang="en-US" dirty="0">
-                  <a:solidFill>
-                    <a:schemeClr val="tx1">
-                      <a:lumMod val="95000"/>
-                      <a:lumOff val="5000"/>
-                    </a:schemeClr>
-                  </a:solidFill>
-                </a:rPr>
-                <a:t>TSV</a:t>
-              </a:r>
-            </a:p>
-            <a:p>
-              <a:pPr algn="ctr"/>
-              <a:r>
-                <a:rPr lang="en-US" dirty="0">
-                  <a:solidFill>
-                    <a:schemeClr val="tx1">
-                      <a:lumMod val="95000"/>
-                      <a:lumOff val="5000"/>
-                    </a:schemeClr>
-                  </a:solidFill>
-                </a:rPr>
-                <a:t>(per sample)</a:t>
-              </a:r>
-            </a:p>
-          </p:txBody>
-        </p:sp>
-        <p:cxnSp>
-          <p:nvCxnSpPr>
-            <p:cNvPr id="22" name="Straight Arrow Connector 21">
-              <a:extLst>
-                <a:ext uri="{FF2B5EF4-FFF2-40B4-BE49-F238E27FC236}">
-                  <a16:creationId xmlns:a16="http://schemas.microsoft.com/office/drawing/2014/main" id="{A09C523A-EE6B-D048-9DD5-64BEE1B1EF37}"/>
-                </a:ext>
-              </a:extLst>
-            </p:cNvPr>
-            <p:cNvCxnSpPr>
-              <a:cxnSpLocks/>
-              <a:stCxn id="15" idx="0"/>
-              <a:endCxn id="20" idx="0"/>
-            </p:cNvCxnSpPr>
-            <p:nvPr/>
-          </p:nvCxnSpPr>
-          <p:spPr>
-            <a:xfrm>
-              <a:off x="3617894" y="1957183"/>
-              <a:ext cx="0" cy="1012827"/>
-            </a:xfrm>
-            <a:prstGeom prst="straightConnector1">
-              <a:avLst/>
-            </a:prstGeom>
-            <a:ln w="31750">
-              <a:tailEnd type="triangle" w="lg" len="med"/>
-            </a:ln>
-          </p:spPr>
-          <p:style>
-            <a:lnRef idx="1">
-              <a:schemeClr val="accent1"/>
-            </a:lnRef>
-            <a:fillRef idx="0">
-              <a:schemeClr val="accent1"/>
-            </a:fillRef>
-            <a:effectRef idx="0">
-              <a:schemeClr val="accent1"/>
-            </a:effectRef>
-            <a:fontRef idx="minor">
-              <a:schemeClr val="tx1"/>
-            </a:fontRef>
-          </p:style>
-        </p:cxnSp>
-        <p:cxnSp>
-          <p:nvCxnSpPr>
-            <p:cNvPr id="25" name="Straight Arrow Connector 24">
-              <a:extLst>
-                <a:ext uri="{FF2B5EF4-FFF2-40B4-BE49-F238E27FC236}">
-                  <a16:creationId xmlns:a16="http://schemas.microsoft.com/office/drawing/2014/main" id="{E9A71320-AD7C-E141-9B63-C5F4C26CFCD2}"/>
-                </a:ext>
-              </a:extLst>
-            </p:cNvPr>
-            <p:cNvCxnSpPr>
-              <a:cxnSpLocks/>
-              <a:stCxn id="20" idx="2"/>
-              <a:endCxn id="21" idx="0"/>
-            </p:cNvCxnSpPr>
-            <p:nvPr/>
-          </p:nvCxnSpPr>
-          <p:spPr>
-            <a:xfrm>
-              <a:off x="3617894" y="3324635"/>
-              <a:ext cx="0" cy="203525"/>
-            </a:xfrm>
-            <a:prstGeom prst="straightConnector1">
-              <a:avLst/>
-            </a:prstGeom>
-            <a:ln w="31750">
-              <a:tailEnd type="triangle" w="lg" len="med"/>
-            </a:ln>
-          </p:spPr>
-          <p:style>
-            <a:lnRef idx="1">
-              <a:schemeClr val="accent1"/>
-            </a:lnRef>
-            <a:fillRef idx="0">
-              <a:schemeClr val="accent1"/>
-            </a:fillRef>
-            <a:effectRef idx="0">
-              <a:schemeClr val="accent1"/>
-            </a:effectRef>
-            <a:fontRef idx="minor">
-              <a:schemeClr val="tx1"/>
-            </a:fontRef>
-          </p:style>
-        </p:cxnSp>
-        <p:sp>
-          <p:nvSpPr>
-            <p:cNvPr id="39" name="Direct Access Storage 38">
-              <a:extLst>
-                <a:ext uri="{FF2B5EF4-FFF2-40B4-BE49-F238E27FC236}">
-                  <a16:creationId xmlns:a16="http://schemas.microsoft.com/office/drawing/2014/main" id="{1E343600-653D-E140-9248-C69F229F6E8C}"/>
-                </a:ext>
-              </a:extLst>
-            </p:cNvPr>
-            <p:cNvSpPr/>
-            <p:nvPr/>
-          </p:nvSpPr>
-          <p:spPr>
-            <a:xfrm>
-              <a:off x="4871670" y="2824710"/>
-              <a:ext cx="2128058" cy="652838"/>
-            </a:xfrm>
-            <a:prstGeom prst="flowChartMagneticDrum">
-              <a:avLst/>
-            </a:prstGeom>
+            </a:endParaRPr>
+          </a:p>
+        </p:txBody>
+      </p:sp>
+      <p:sp>
+        <p:nvSpPr>
+          <p:cNvPr id="146" name="Document 145">
+            <a:extLst>
+              <a:ext uri="{FF2B5EF4-FFF2-40B4-BE49-F238E27FC236}">
+                <a16:creationId xmlns:a16="http://schemas.microsoft.com/office/drawing/2014/main" id="{AEC571A3-A1BE-B342-85C1-B2C0ADC6A46E}"/>
+              </a:ext>
+            </a:extLst>
+          </p:cNvPr>
+          <p:cNvSpPr/>
+          <p:nvPr/>
+        </p:nvSpPr>
+        <p:spPr>
+          <a:xfrm>
+            <a:off x="7156171" y="3859807"/>
+            <a:ext cx="1620000" cy="810000"/>
+          </a:xfrm>
+          <a:prstGeom prst="flowChartDocument">
+            <a:avLst/>
+          </a:prstGeom>
+          <a:solidFill>
+            <a:schemeClr val="accent2">
+              <a:lumMod val="40000"/>
+              <a:lumOff val="60000"/>
+            </a:schemeClr>
+          </a:solidFill>
+          <a:ln>
             <a:solidFill>
-              <a:schemeClr val="accent1">
-                <a:lumMod val="40000"/>
-                <a:lumOff val="60000"/>
+              <a:schemeClr val="tx1">
+                <a:lumMod val="95000"/>
+                <a:lumOff val="5000"/>
               </a:schemeClr>
             </a:solidFill>
-            <a:ln>
-              <a:solidFill>
-                <a:schemeClr val="tx1">
-                  <a:lumMod val="95000"/>
-                  <a:lumOff val="5000"/>
-                </a:schemeClr>
-              </a:solidFill>
-            </a:ln>
-          </p:spPr>
-          <p:style>
-            <a:lnRef idx="2">
-              <a:schemeClr val="accent1">
-                <a:shade val="50000"/>
-              </a:schemeClr>
-            </a:lnRef>
-            <a:fillRef idx="1">
-              <a:schemeClr val="accent1"/>
-            </a:fillRef>
-            <a:effectRef idx="0">
-              <a:schemeClr val="accent1"/>
-            </a:effectRef>
-            <a:fontRef idx="minor">
-              <a:schemeClr val="lt1"/>
-            </a:fontRef>
-          </p:style>
-          <p:txBody>
-            <a:bodyPr rtlCol="0" anchor="ctr"/>
-            <a:lstStyle/>
-            <a:p>
-              <a:pPr algn="ctr"/>
-              <a:r>
-                <a:rPr lang="en-US" dirty="0">
-                  <a:solidFill>
-                    <a:schemeClr val="tx1">
-                      <a:lumMod val="95000"/>
-                      <a:lumOff val="5000"/>
-                    </a:schemeClr>
-                  </a:solidFill>
-                </a:rPr>
-                <a:t>ITS1 Database</a:t>
-              </a:r>
-            </a:p>
-          </p:txBody>
-        </p:sp>
-        <p:cxnSp>
-          <p:nvCxnSpPr>
-            <p:cNvPr id="40" name="Straight Arrow Connector 39">
-              <a:extLst>
-                <a:ext uri="{FF2B5EF4-FFF2-40B4-BE49-F238E27FC236}">
-                  <a16:creationId xmlns:a16="http://schemas.microsoft.com/office/drawing/2014/main" id="{C1C55D77-C6F0-6348-AD64-F1270D96C8A8}"/>
-                </a:ext>
-              </a:extLst>
-            </p:cNvPr>
-            <p:cNvCxnSpPr>
-              <a:cxnSpLocks/>
-              <a:stCxn id="39" idx="1"/>
-              <a:endCxn id="20" idx="3"/>
-            </p:cNvCxnSpPr>
-            <p:nvPr/>
-          </p:nvCxnSpPr>
-          <p:spPr>
-            <a:xfrm flipH="1" flipV="1">
-              <a:off x="4486190" y="3147323"/>
-              <a:ext cx="385480" cy="3806"/>
-            </a:xfrm>
-            <a:prstGeom prst="straightConnector1">
-              <a:avLst/>
-            </a:prstGeom>
-            <a:ln w="31750">
-              <a:tailEnd type="triangle" w="lg" len="med"/>
-            </a:ln>
-          </p:spPr>
-          <p:style>
-            <a:lnRef idx="1">
-              <a:schemeClr val="accent1"/>
-            </a:lnRef>
-            <a:fillRef idx="0">
-              <a:schemeClr val="accent1"/>
-            </a:fillRef>
-            <a:effectRef idx="0">
-              <a:schemeClr val="accent1"/>
-            </a:effectRef>
-            <a:fontRef idx="minor">
-              <a:schemeClr val="tx1"/>
-            </a:fontRef>
-          </p:style>
-        </p:cxnSp>
-        <p:sp>
-          <p:nvSpPr>
-            <p:cNvPr id="15" name="Multidocument 14">
-              <a:extLst>
-                <a:ext uri="{FF2B5EF4-FFF2-40B4-BE49-F238E27FC236}">
-                  <a16:creationId xmlns:a16="http://schemas.microsoft.com/office/drawing/2014/main" id="{805A0180-590E-BC4E-92B1-B71F63777EC0}"/>
-                </a:ext>
-              </a:extLst>
-            </p:cNvPr>
-            <p:cNvSpPr/>
-            <p:nvPr/>
-          </p:nvSpPr>
-          <p:spPr>
-            <a:xfrm>
-              <a:off x="2630127" y="1957183"/>
-              <a:ext cx="1736592" cy="900000"/>
-            </a:xfrm>
-            <a:prstGeom prst="flowChartMultidocument">
-              <a:avLst/>
-            </a:prstGeom>
-            <a:solidFill>
-              <a:schemeClr val="accent4">
-                <a:lumMod val="40000"/>
-                <a:lumOff val="60000"/>
-              </a:schemeClr>
-            </a:solidFill>
-            <a:ln>
-              <a:solidFill>
-                <a:schemeClr val="tx1">
-                  <a:lumMod val="95000"/>
-                  <a:lumOff val="5000"/>
-                </a:schemeClr>
-              </a:solidFill>
-            </a:ln>
-          </p:spPr>
-          <p:style>
-            <a:lnRef idx="2">
-              <a:schemeClr val="accent1">
-                <a:shade val="50000"/>
-              </a:schemeClr>
-            </a:lnRef>
-            <a:fillRef idx="1">
-              <a:schemeClr val="accent1"/>
-            </a:fillRef>
-            <a:effectRef idx="0">
-              <a:schemeClr val="accent1"/>
-            </a:effectRef>
-            <a:fontRef idx="minor">
-              <a:schemeClr val="lt1"/>
-            </a:fontRef>
-          </p:style>
-          <p:txBody>
-            <a:bodyPr rtlCol="0" anchor="t" anchorCtr="0"/>
-            <a:lstStyle/>
-            <a:p>
-              <a:pPr algn="ctr"/>
-              <a:r>
-                <a:rPr lang="en-US" dirty="0">
-                  <a:solidFill>
-                    <a:schemeClr val="tx1">
-                      <a:lumMod val="95000"/>
-                      <a:lumOff val="5000"/>
-                    </a:schemeClr>
-                  </a:solidFill>
-                </a:rPr>
-                <a:t>FASTA</a:t>
-              </a:r>
-            </a:p>
-            <a:p>
-              <a:pPr algn="ctr"/>
-              <a:r>
-                <a:rPr lang="en-US" dirty="0">
-                  <a:solidFill>
-                    <a:schemeClr val="tx1">
-                      <a:lumMod val="95000"/>
-                      <a:lumOff val="5000"/>
-                    </a:schemeClr>
-                  </a:solidFill>
-                </a:rPr>
-                <a:t>(per sample)</a:t>
-              </a:r>
-            </a:p>
-          </p:txBody>
-        </p:sp>
-        <p:sp>
-          <p:nvSpPr>
-            <p:cNvPr id="43" name="Predefined Process 42">
-              <a:extLst>
-                <a:ext uri="{FF2B5EF4-FFF2-40B4-BE49-F238E27FC236}">
-                  <a16:creationId xmlns:a16="http://schemas.microsoft.com/office/drawing/2014/main" id="{6099AFEC-ED7E-F149-8E5B-D69D838E0DE5}"/>
-                </a:ext>
-              </a:extLst>
-            </p:cNvPr>
-            <p:cNvSpPr/>
-            <p:nvPr/>
-          </p:nvSpPr>
-          <p:spPr>
-            <a:xfrm>
-              <a:off x="4871670" y="3800044"/>
-              <a:ext cx="2128058" cy="356232"/>
-            </a:xfrm>
-            <a:prstGeom prst="flowChartPredefinedProcess">
-              <a:avLst/>
-            </a:prstGeom>
-          </p:spPr>
-          <p:style>
-            <a:lnRef idx="2">
-              <a:schemeClr val="accent1">
-                <a:shade val="50000"/>
-              </a:schemeClr>
-            </a:lnRef>
-            <a:fillRef idx="1">
-              <a:schemeClr val="accent1"/>
-            </a:fillRef>
-            <a:effectRef idx="0">
-              <a:schemeClr val="accent1"/>
-            </a:effectRef>
-            <a:fontRef idx="minor">
-              <a:schemeClr val="lt1"/>
-            </a:fontRef>
-          </p:style>
-          <p:txBody>
-            <a:bodyPr rtlCol="0" anchor="ctr"/>
-            <a:lstStyle/>
-            <a:p>
-              <a:pPr algn="ctr"/>
-              <a:r>
-                <a:rPr lang="en-US" dirty="0">
-                  <a:latin typeface="Andale Mono" panose="020B0509000000000004" pitchFamily="49" charset="0"/>
-                </a:rPr>
-                <a:t>summary</a:t>
-              </a:r>
-            </a:p>
-          </p:txBody>
-        </p:sp>
-        <p:cxnSp>
-          <p:nvCxnSpPr>
-            <p:cNvPr id="44" name="Straight Arrow Connector 43">
-              <a:extLst>
-                <a:ext uri="{FF2B5EF4-FFF2-40B4-BE49-F238E27FC236}">
-                  <a16:creationId xmlns:a16="http://schemas.microsoft.com/office/drawing/2014/main" id="{36C4303B-5844-C84D-8E8F-F867F542A252}"/>
-                </a:ext>
-              </a:extLst>
-            </p:cNvPr>
-            <p:cNvCxnSpPr>
-              <a:cxnSpLocks/>
-              <a:stCxn id="21" idx="3"/>
-              <a:endCxn id="43" idx="1"/>
-            </p:cNvCxnSpPr>
-            <p:nvPr/>
-          </p:nvCxnSpPr>
-          <p:spPr>
-            <a:xfrm>
-              <a:off x="4366719" y="3978160"/>
-              <a:ext cx="504951" cy="0"/>
-            </a:xfrm>
-            <a:prstGeom prst="straightConnector1">
-              <a:avLst/>
-            </a:prstGeom>
-            <a:ln w="31750">
-              <a:tailEnd type="triangle" w="lg" len="med"/>
-            </a:ln>
-          </p:spPr>
-          <p:style>
-            <a:lnRef idx="1">
-              <a:schemeClr val="accent1"/>
-            </a:lnRef>
-            <a:fillRef idx="0">
-              <a:schemeClr val="accent1"/>
-            </a:fillRef>
-            <a:effectRef idx="0">
-              <a:schemeClr val="accent1"/>
-            </a:effectRef>
-            <a:fontRef idx="minor">
-              <a:schemeClr val="tx1"/>
-            </a:fontRef>
-          </p:style>
-        </p:cxnSp>
-        <p:sp>
-          <p:nvSpPr>
-            <p:cNvPr id="62" name="Predefined Process 61">
-              <a:extLst>
-                <a:ext uri="{FF2B5EF4-FFF2-40B4-BE49-F238E27FC236}">
-                  <a16:creationId xmlns:a16="http://schemas.microsoft.com/office/drawing/2014/main" id="{7013FA66-4919-A746-8849-FF5694458897}"/>
-                </a:ext>
-              </a:extLst>
-            </p:cNvPr>
-            <p:cNvSpPr/>
-            <p:nvPr/>
-          </p:nvSpPr>
-          <p:spPr>
-            <a:xfrm>
-              <a:off x="4871670" y="2231472"/>
-              <a:ext cx="2128058" cy="352215"/>
-            </a:xfrm>
-            <a:prstGeom prst="flowChartPredefinedProcess">
-              <a:avLst/>
-            </a:prstGeom>
-          </p:spPr>
-          <p:style>
-            <a:lnRef idx="2">
-              <a:schemeClr val="accent1">
-                <a:shade val="50000"/>
-              </a:schemeClr>
-            </a:lnRef>
-            <a:fillRef idx="1">
-              <a:schemeClr val="accent1"/>
-            </a:fillRef>
-            <a:effectRef idx="0">
-              <a:schemeClr val="accent1"/>
-            </a:effectRef>
-            <a:fontRef idx="minor">
-              <a:schemeClr val="lt1"/>
-            </a:fontRef>
-          </p:style>
-          <p:txBody>
-            <a:bodyPr rtlCol="0" anchor="ctr"/>
-            <a:lstStyle/>
-            <a:p>
-              <a:pPr algn="ctr"/>
-              <a:r>
-                <a:rPr lang="en-US" dirty="0">
-                  <a:latin typeface="Andale Mono" panose="020B0509000000000004" pitchFamily="49" charset="0"/>
-                </a:rPr>
-                <a:t>edit-graph</a:t>
-              </a:r>
-            </a:p>
-          </p:txBody>
-        </p:sp>
-        <p:cxnSp>
-          <p:nvCxnSpPr>
-            <p:cNvPr id="63" name="Straight Arrow Connector 62">
-              <a:extLst>
-                <a:ext uri="{FF2B5EF4-FFF2-40B4-BE49-F238E27FC236}">
-                  <a16:creationId xmlns:a16="http://schemas.microsoft.com/office/drawing/2014/main" id="{E096ADE7-A31A-3D4C-91CF-D2A366202D60}"/>
-                </a:ext>
-              </a:extLst>
-            </p:cNvPr>
-            <p:cNvCxnSpPr>
-              <a:cxnSpLocks/>
-              <a:stCxn id="15" idx="3"/>
-              <a:endCxn id="62" idx="1"/>
-            </p:cNvCxnSpPr>
-            <p:nvPr/>
-          </p:nvCxnSpPr>
-          <p:spPr>
-            <a:xfrm>
-              <a:off x="4366719" y="2407183"/>
-              <a:ext cx="504951" cy="397"/>
-            </a:xfrm>
-            <a:prstGeom prst="straightConnector1">
-              <a:avLst/>
-            </a:prstGeom>
-            <a:ln w="31750">
-              <a:tailEnd type="triangle" w="lg" len="med"/>
-            </a:ln>
-          </p:spPr>
-          <p:style>
-            <a:lnRef idx="1">
-              <a:schemeClr val="accent1"/>
-            </a:lnRef>
-            <a:fillRef idx="0">
-              <a:schemeClr val="accent1"/>
-            </a:fillRef>
-            <a:effectRef idx="0">
-              <a:schemeClr val="accent1"/>
-            </a:effectRef>
-            <a:fontRef idx="minor">
-              <a:schemeClr val="tx1"/>
-            </a:fontRef>
-          </p:style>
-        </p:cxnSp>
-        <p:cxnSp>
-          <p:nvCxnSpPr>
-            <p:cNvPr id="142" name="Straight Arrow Connector 141">
-              <a:extLst>
-                <a:ext uri="{FF2B5EF4-FFF2-40B4-BE49-F238E27FC236}">
-                  <a16:creationId xmlns:a16="http://schemas.microsoft.com/office/drawing/2014/main" id="{78837652-7F47-2241-9483-A176E72A44F8}"/>
-                </a:ext>
-              </a:extLst>
-            </p:cNvPr>
-            <p:cNvCxnSpPr>
-              <a:cxnSpLocks/>
-              <a:stCxn id="39" idx="0"/>
-              <a:endCxn id="62" idx="2"/>
-            </p:cNvCxnSpPr>
-            <p:nvPr/>
-          </p:nvCxnSpPr>
-          <p:spPr>
-            <a:xfrm flipV="1">
-              <a:off x="5935699" y="2583687"/>
-              <a:ext cx="0" cy="241023"/>
-            </a:xfrm>
-            <a:prstGeom prst="straightConnector1">
-              <a:avLst/>
-            </a:prstGeom>
-            <a:ln w="31750">
-              <a:tailEnd type="triangle" w="lg" len="med"/>
-            </a:ln>
-          </p:spPr>
-          <p:style>
-            <a:lnRef idx="1">
-              <a:schemeClr val="accent1"/>
-            </a:lnRef>
-            <a:fillRef idx="0">
-              <a:schemeClr val="accent1"/>
-            </a:fillRef>
-            <a:effectRef idx="0">
-              <a:schemeClr val="accent1"/>
-            </a:effectRef>
-            <a:fontRef idx="minor">
-              <a:schemeClr val="tx1"/>
-            </a:fontRef>
-          </p:style>
-        </p:cxnSp>
-        <p:sp>
-          <p:nvSpPr>
-            <p:cNvPr id="145" name="Document 144">
-              <a:extLst>
-                <a:ext uri="{FF2B5EF4-FFF2-40B4-BE49-F238E27FC236}">
-                  <a16:creationId xmlns:a16="http://schemas.microsoft.com/office/drawing/2014/main" id="{9ADFCDE7-9EB0-2F4E-A449-9BAE26E58B05}"/>
-                </a:ext>
-              </a:extLst>
-            </p:cNvPr>
-            <p:cNvSpPr/>
-            <p:nvPr/>
-          </p:nvSpPr>
-          <p:spPr>
-            <a:xfrm>
-              <a:off x="7358923" y="2002183"/>
-              <a:ext cx="1620000" cy="810000"/>
-            </a:xfrm>
-            <a:prstGeom prst="flowChartDocument">
-              <a:avLst/>
-            </a:prstGeom>
-            <a:solidFill>
-              <a:schemeClr val="accent2">
-                <a:lumMod val="40000"/>
-                <a:lumOff val="60000"/>
-              </a:schemeClr>
-            </a:solidFill>
-            <a:ln>
-              <a:solidFill>
-                <a:schemeClr val="tx1">
-                  <a:lumMod val="95000"/>
-                  <a:lumOff val="5000"/>
-                </a:schemeClr>
-              </a:solidFill>
-            </a:ln>
-          </p:spPr>
-          <p:style>
-            <a:lnRef idx="2">
-              <a:schemeClr val="accent1">
-                <a:shade val="50000"/>
-              </a:schemeClr>
-            </a:lnRef>
-            <a:fillRef idx="1">
-              <a:schemeClr val="accent1"/>
-            </a:fillRef>
-            <a:effectRef idx="0">
-              <a:schemeClr val="accent1"/>
-            </a:effectRef>
-            <a:fontRef idx="minor">
-              <a:schemeClr val="lt1"/>
-            </a:fontRef>
-          </p:style>
-          <p:txBody>
-            <a:bodyPr rtlCol="0" anchor="t" anchorCtr="0"/>
-            <a:lstStyle/>
-            <a:p>
-              <a:pPr algn="ctr"/>
-              <a:r>
-                <a:rPr lang="en-US" dirty="0">
-                  <a:solidFill>
-                    <a:schemeClr val="tx1">
-                      <a:lumMod val="95000"/>
-                      <a:lumOff val="5000"/>
-                    </a:schemeClr>
-                  </a:solidFill>
-                </a:rPr>
-                <a:t>XGMML graph</a:t>
-              </a:r>
-            </a:p>
-            <a:p>
-              <a:pPr algn="ctr"/>
-              <a:r>
-                <a:rPr lang="en-US" dirty="0">
-                  <a:solidFill>
-                    <a:schemeClr val="tx1">
-                      <a:lumMod val="95000"/>
-                      <a:lumOff val="5000"/>
-                    </a:schemeClr>
-                  </a:solidFill>
-                </a:rPr>
-                <a:t>for </a:t>
-              </a:r>
-              <a:r>
-                <a:rPr lang="en-US" dirty="0" err="1">
-                  <a:solidFill>
-                    <a:schemeClr val="tx1">
-                      <a:lumMod val="95000"/>
-                      <a:lumOff val="5000"/>
-                    </a:schemeClr>
-                  </a:solidFill>
-                </a:rPr>
-                <a:t>Cytoscape</a:t>
-              </a:r>
-              <a:endParaRPr lang="en-US" dirty="0">
+          </a:ln>
+        </p:spPr>
+        <p:style>
+          <a:lnRef idx="2">
+            <a:schemeClr val="accent1">
+              <a:shade val="50000"/>
+            </a:schemeClr>
+          </a:lnRef>
+          <a:fillRef idx="1">
+            <a:schemeClr val="accent1"/>
+          </a:fillRef>
+          <a:effectRef idx="0">
+            <a:schemeClr val="accent1"/>
+          </a:effectRef>
+          <a:fontRef idx="minor">
+            <a:schemeClr val="lt1"/>
+          </a:fontRef>
+        </p:style>
+        <p:txBody>
+          <a:bodyPr rtlCol="0" anchor="t" anchorCtr="0"/>
+          <a:lstStyle/>
+          <a:p>
+            <a:pPr algn="ctr"/>
+            <a:r>
+              <a:rPr lang="en-US" dirty="0">
                 <a:solidFill>
                   <a:schemeClr val="tx1">
                     <a:lumMod val="95000"/>
                     <a:lumOff val="5000"/>
                   </a:schemeClr>
                 </a:solidFill>
-              </a:endParaRPr>
-            </a:p>
-          </p:txBody>
-        </p:sp>
-        <p:sp>
-          <p:nvSpPr>
-            <p:cNvPr id="146" name="Document 145">
-              <a:extLst>
-                <a:ext uri="{FF2B5EF4-FFF2-40B4-BE49-F238E27FC236}">
-                  <a16:creationId xmlns:a16="http://schemas.microsoft.com/office/drawing/2014/main" id="{AEC571A3-A1BE-B342-85C1-B2C0ADC6A46E}"/>
-                </a:ext>
-              </a:extLst>
-            </p:cNvPr>
-            <p:cNvSpPr/>
-            <p:nvPr/>
-          </p:nvSpPr>
-          <p:spPr>
-            <a:xfrm>
-              <a:off x="7358923" y="3573160"/>
-              <a:ext cx="1620000" cy="810000"/>
-            </a:xfrm>
-            <a:prstGeom prst="flowChartDocument">
-              <a:avLst/>
-            </a:prstGeom>
+              </a:rPr>
+              <a:t>TXT, TSV, and Excel reports</a:t>
+            </a:r>
+          </a:p>
+        </p:txBody>
+      </p:sp>
+      <p:cxnSp>
+        <p:nvCxnSpPr>
+          <p:cNvPr id="147" name="Straight Arrow Connector 146">
+            <a:extLst>
+              <a:ext uri="{FF2B5EF4-FFF2-40B4-BE49-F238E27FC236}">
+                <a16:creationId xmlns:a16="http://schemas.microsoft.com/office/drawing/2014/main" id="{414DF7DA-68BC-2A4E-B52B-0E5052F12DFB}"/>
+              </a:ext>
+            </a:extLst>
+          </p:cNvPr>
+          <p:cNvCxnSpPr>
+            <a:cxnSpLocks/>
+            <a:stCxn id="62" idx="3"/>
+            <a:endCxn id="145" idx="1"/>
+          </p:cNvCxnSpPr>
+          <p:nvPr/>
+        </p:nvCxnSpPr>
+        <p:spPr>
+          <a:xfrm flipV="1">
+            <a:off x="6839016" y="2767400"/>
+            <a:ext cx="317155" cy="397"/>
+          </a:xfrm>
+          <a:prstGeom prst="straightConnector1">
+            <a:avLst/>
+          </a:prstGeom>
+          <a:ln w="31750">
+            <a:tailEnd type="triangle" w="lg" len="med"/>
+          </a:ln>
+        </p:spPr>
+        <p:style>
+          <a:lnRef idx="1">
+            <a:schemeClr val="accent1"/>
+          </a:lnRef>
+          <a:fillRef idx="0">
+            <a:schemeClr val="accent1"/>
+          </a:fillRef>
+          <a:effectRef idx="0">
+            <a:schemeClr val="accent1"/>
+          </a:effectRef>
+          <a:fontRef idx="minor">
+            <a:schemeClr val="tx1"/>
+          </a:fontRef>
+        </p:style>
+      </p:cxnSp>
+      <p:cxnSp>
+        <p:nvCxnSpPr>
+          <p:cNvPr id="150" name="Straight Arrow Connector 149">
+            <a:extLst>
+              <a:ext uri="{FF2B5EF4-FFF2-40B4-BE49-F238E27FC236}">
+                <a16:creationId xmlns:a16="http://schemas.microsoft.com/office/drawing/2014/main" id="{A2DCFD74-FF9F-274F-850B-AF208EC79FF1}"/>
+              </a:ext>
+            </a:extLst>
+          </p:cNvPr>
+          <p:cNvCxnSpPr>
+            <a:cxnSpLocks/>
+            <a:stCxn id="43" idx="3"/>
+            <a:endCxn id="146" idx="1"/>
+          </p:cNvCxnSpPr>
+          <p:nvPr/>
+        </p:nvCxnSpPr>
+        <p:spPr>
+          <a:xfrm>
+            <a:off x="6839016" y="4264807"/>
+            <a:ext cx="317155" cy="0"/>
+          </a:xfrm>
+          <a:prstGeom prst="straightConnector1">
+            <a:avLst/>
+          </a:prstGeom>
+          <a:ln w="31750">
+            <a:tailEnd type="triangle" w="lg" len="med"/>
+          </a:ln>
+        </p:spPr>
+        <p:style>
+          <a:lnRef idx="1">
+            <a:schemeClr val="accent1"/>
+          </a:lnRef>
+          <a:fillRef idx="0">
+            <a:schemeClr val="accent1"/>
+          </a:fillRef>
+          <a:effectRef idx="0">
+            <a:schemeClr val="accent1"/>
+          </a:effectRef>
+          <a:fontRef idx="minor">
+            <a:schemeClr val="tx1"/>
+          </a:fontRef>
+        </p:style>
+      </p:cxnSp>
+      <p:sp>
+        <p:nvSpPr>
+          <p:cNvPr id="28" name="Document 27">
+            <a:extLst>
+              <a:ext uri="{FF2B5EF4-FFF2-40B4-BE49-F238E27FC236}">
+                <a16:creationId xmlns:a16="http://schemas.microsoft.com/office/drawing/2014/main" id="{5C1A5AC8-640B-334C-B351-6D6A1593FEE0}"/>
+              </a:ext>
+            </a:extLst>
+          </p:cNvPr>
+          <p:cNvSpPr/>
+          <p:nvPr/>
+        </p:nvSpPr>
+        <p:spPr>
+          <a:xfrm>
+            <a:off x="2543961" y="4039821"/>
+            <a:ext cx="1620000" cy="457371"/>
+          </a:xfrm>
+          <a:prstGeom prst="flowChartDocument">
+            <a:avLst/>
+          </a:prstGeom>
+          <a:solidFill>
+            <a:schemeClr val="accent4">
+              <a:lumMod val="40000"/>
+              <a:lumOff val="60000"/>
+            </a:schemeClr>
+          </a:solidFill>
+          <a:ln>
             <a:solidFill>
-              <a:schemeClr val="accent2">
-                <a:lumMod val="40000"/>
-                <a:lumOff val="60000"/>
+              <a:schemeClr val="tx1">
+                <a:lumMod val="95000"/>
+                <a:lumOff val="5000"/>
               </a:schemeClr>
             </a:solidFill>
-            <a:ln>
-              <a:solidFill>
-                <a:schemeClr val="tx1">
-                  <a:lumMod val="95000"/>
-                  <a:lumOff val="5000"/>
-                </a:schemeClr>
-              </a:solidFill>
-            </a:ln>
-          </p:spPr>
-          <p:style>
-            <a:lnRef idx="2">
-              <a:schemeClr val="accent1">
-                <a:shade val="50000"/>
-              </a:schemeClr>
-            </a:lnRef>
-            <a:fillRef idx="1">
-              <a:schemeClr val="accent1"/>
-            </a:fillRef>
-            <a:effectRef idx="0">
-              <a:schemeClr val="accent1"/>
-            </a:effectRef>
-            <a:fontRef idx="minor">
-              <a:schemeClr val="lt1"/>
-            </a:fontRef>
-          </p:style>
-          <p:txBody>
-            <a:bodyPr rtlCol="0" anchor="t" anchorCtr="0"/>
-            <a:lstStyle/>
-            <a:p>
-              <a:pPr algn="ctr"/>
-              <a:r>
-                <a:rPr lang="en-US" dirty="0">
-                  <a:solidFill>
-                    <a:schemeClr val="tx1">
-                      <a:lumMod val="95000"/>
-                      <a:lumOff val="5000"/>
-                    </a:schemeClr>
-                  </a:solidFill>
-                </a:rPr>
-                <a:t>TXT, TSV, and Excel reports</a:t>
-              </a:r>
-            </a:p>
-          </p:txBody>
-        </p:sp>
-        <p:cxnSp>
-          <p:nvCxnSpPr>
-            <p:cNvPr id="147" name="Straight Arrow Connector 146">
-              <a:extLst>
-                <a:ext uri="{FF2B5EF4-FFF2-40B4-BE49-F238E27FC236}">
-                  <a16:creationId xmlns:a16="http://schemas.microsoft.com/office/drawing/2014/main" id="{414DF7DA-68BC-2A4E-B52B-0E5052F12DFB}"/>
-                </a:ext>
-              </a:extLst>
-            </p:cNvPr>
-            <p:cNvCxnSpPr>
-              <a:cxnSpLocks/>
-              <a:stCxn id="62" idx="3"/>
-              <a:endCxn id="145" idx="1"/>
-            </p:cNvCxnSpPr>
-            <p:nvPr/>
-          </p:nvCxnSpPr>
-          <p:spPr>
-            <a:xfrm flipV="1">
-              <a:off x="6999728" y="2407183"/>
-              <a:ext cx="359195" cy="397"/>
-            </a:xfrm>
-            <a:prstGeom prst="straightConnector1">
-              <a:avLst/>
-            </a:prstGeom>
-            <a:ln w="31750">
-              <a:tailEnd type="triangle" w="lg" len="med"/>
-            </a:ln>
-          </p:spPr>
-          <p:style>
-            <a:lnRef idx="1">
-              <a:schemeClr val="accent1"/>
-            </a:lnRef>
-            <a:fillRef idx="0">
-              <a:schemeClr val="accent1"/>
-            </a:fillRef>
-            <a:effectRef idx="0">
-              <a:schemeClr val="accent1"/>
-            </a:effectRef>
-            <a:fontRef idx="minor">
-              <a:schemeClr val="tx1"/>
-            </a:fontRef>
-          </p:style>
-        </p:cxnSp>
-        <p:cxnSp>
-          <p:nvCxnSpPr>
-            <p:cNvPr id="150" name="Straight Arrow Connector 149">
-              <a:extLst>
-                <a:ext uri="{FF2B5EF4-FFF2-40B4-BE49-F238E27FC236}">
-                  <a16:creationId xmlns:a16="http://schemas.microsoft.com/office/drawing/2014/main" id="{A2DCFD74-FF9F-274F-850B-AF208EC79FF1}"/>
-                </a:ext>
-              </a:extLst>
-            </p:cNvPr>
-            <p:cNvCxnSpPr>
-              <a:cxnSpLocks/>
-              <a:stCxn id="43" idx="3"/>
-              <a:endCxn id="146" idx="1"/>
-            </p:cNvCxnSpPr>
-            <p:nvPr/>
-          </p:nvCxnSpPr>
-          <p:spPr>
-            <a:xfrm>
-              <a:off x="6999728" y="3978160"/>
-              <a:ext cx="359195" cy="0"/>
-            </a:xfrm>
-            <a:prstGeom prst="straightConnector1">
-              <a:avLst/>
-            </a:prstGeom>
-            <a:ln w="31750">
-              <a:tailEnd type="triangle" w="lg" len="med"/>
-            </a:ln>
-          </p:spPr>
-          <p:style>
-            <a:lnRef idx="1">
-              <a:schemeClr val="accent1"/>
-            </a:lnRef>
-            <a:fillRef idx="0">
-              <a:schemeClr val="accent1"/>
-            </a:fillRef>
-            <a:effectRef idx="0">
-              <a:schemeClr val="accent1"/>
-            </a:effectRef>
-            <a:fontRef idx="minor">
-              <a:schemeClr val="tx1"/>
-            </a:fontRef>
-          </p:style>
-        </p:cxnSp>
-      </p:grpSp>
+          </a:ln>
+        </p:spPr>
+        <p:style>
+          <a:lnRef idx="2">
+            <a:schemeClr val="accent1">
+              <a:shade val="50000"/>
+            </a:schemeClr>
+          </a:lnRef>
+          <a:fillRef idx="1">
+            <a:schemeClr val="accent1"/>
+          </a:fillRef>
+          <a:effectRef idx="0">
+            <a:schemeClr val="accent1"/>
+          </a:effectRef>
+          <a:fontRef idx="minor">
+            <a:schemeClr val="lt1"/>
+          </a:fontRef>
+        </p:style>
+        <p:txBody>
+          <a:bodyPr rtlCol="0" anchor="t" anchorCtr="0"/>
+          <a:lstStyle/>
+          <a:p>
+            <a:pPr algn="ctr"/>
+            <a:r>
+              <a:rPr lang="en-US" dirty="0">
+                <a:solidFill>
+                  <a:schemeClr val="tx1">
+                    <a:lumMod val="95000"/>
+                    <a:lumOff val="5000"/>
+                  </a:schemeClr>
+                </a:solidFill>
+              </a:rPr>
+              <a:t>Pooled TSV</a:t>
+            </a:r>
+          </a:p>
+        </p:txBody>
+      </p:sp>
     </p:spTree>
     <p:extLst>
       <p:ext uri="{BB962C8B-B14F-4D97-AF65-F5344CB8AC3E}">

--- a/docs/images/pipeline.pptx
+++ b/docs/images/pipeline.pptx
@@ -259,7 +259,7 @@
           <a:p>
             <a:fld id="{9BF4B002-F650-8A49-9257-AF48A4E75ECF}" type="datetimeFigureOut">
               <a:rPr lang="en-US" smtClean="0"/>
-              <a:t>7/5/21</a:t>
+              <a:t>7/8/21</a:t>
             </a:fld>
             <a:endParaRPr lang="en-US"/>
           </a:p>
@@ -457,7 +457,7 @@
           <a:p>
             <a:fld id="{9BF4B002-F650-8A49-9257-AF48A4E75ECF}" type="datetimeFigureOut">
               <a:rPr lang="en-US" smtClean="0"/>
-              <a:t>7/5/21</a:t>
+              <a:t>7/8/21</a:t>
             </a:fld>
             <a:endParaRPr lang="en-US"/>
           </a:p>
@@ -665,7 +665,7 @@
           <a:p>
             <a:fld id="{9BF4B002-F650-8A49-9257-AF48A4E75ECF}" type="datetimeFigureOut">
               <a:rPr lang="en-US" smtClean="0"/>
-              <a:t>7/5/21</a:t>
+              <a:t>7/8/21</a:t>
             </a:fld>
             <a:endParaRPr lang="en-US"/>
           </a:p>
@@ -863,7 +863,7 @@
           <a:p>
             <a:fld id="{9BF4B002-F650-8A49-9257-AF48A4E75ECF}" type="datetimeFigureOut">
               <a:rPr lang="en-US" smtClean="0"/>
-              <a:t>7/5/21</a:t>
+              <a:t>7/8/21</a:t>
             </a:fld>
             <a:endParaRPr lang="en-US"/>
           </a:p>
@@ -1138,7 +1138,7 @@
           <a:p>
             <a:fld id="{9BF4B002-F650-8A49-9257-AF48A4E75ECF}" type="datetimeFigureOut">
               <a:rPr lang="en-US" smtClean="0"/>
-              <a:t>7/5/21</a:t>
+              <a:t>7/8/21</a:t>
             </a:fld>
             <a:endParaRPr lang="en-US"/>
           </a:p>
@@ -1403,7 +1403,7 @@
           <a:p>
             <a:fld id="{9BF4B002-F650-8A49-9257-AF48A4E75ECF}" type="datetimeFigureOut">
               <a:rPr lang="en-US" smtClean="0"/>
-              <a:t>7/5/21</a:t>
+              <a:t>7/8/21</a:t>
             </a:fld>
             <a:endParaRPr lang="en-US"/>
           </a:p>
@@ -1815,7 +1815,7 @@
           <a:p>
             <a:fld id="{9BF4B002-F650-8A49-9257-AF48A4E75ECF}" type="datetimeFigureOut">
               <a:rPr lang="en-US" smtClean="0"/>
-              <a:t>7/5/21</a:t>
+              <a:t>7/8/21</a:t>
             </a:fld>
             <a:endParaRPr lang="en-US"/>
           </a:p>
@@ -1956,7 +1956,7 @@
           <a:p>
             <a:fld id="{9BF4B002-F650-8A49-9257-AF48A4E75ECF}" type="datetimeFigureOut">
               <a:rPr lang="en-US" smtClean="0"/>
-              <a:t>7/5/21</a:t>
+              <a:t>7/8/21</a:t>
             </a:fld>
             <a:endParaRPr lang="en-US"/>
           </a:p>
@@ -2069,7 +2069,7 @@
           <a:p>
             <a:fld id="{9BF4B002-F650-8A49-9257-AF48A4E75ECF}" type="datetimeFigureOut">
               <a:rPr lang="en-US" smtClean="0"/>
-              <a:t>7/5/21</a:t>
+              <a:t>7/8/21</a:t>
             </a:fld>
             <a:endParaRPr lang="en-US"/>
           </a:p>
@@ -2380,7 +2380,7 @@
           <a:p>
             <a:fld id="{9BF4B002-F650-8A49-9257-AF48A4E75ECF}" type="datetimeFigureOut">
               <a:rPr lang="en-US" smtClean="0"/>
-              <a:t>7/5/21</a:t>
+              <a:t>7/8/21</a:t>
             </a:fld>
             <a:endParaRPr lang="en-US"/>
           </a:p>
@@ -2668,7 +2668,7 @@
           <a:p>
             <a:fld id="{9BF4B002-F650-8A49-9257-AF48A4E75ECF}" type="datetimeFigureOut">
               <a:rPr lang="en-US" smtClean="0"/>
-              <a:t>7/5/21</a:t>
+              <a:t>7/8/21</a:t>
             </a:fld>
             <a:endParaRPr lang="en-US"/>
           </a:p>
@@ -2909,7 +2909,7 @@
           <a:p>
             <a:fld id="{9BF4B002-F650-8A49-9257-AF48A4E75ECF}" type="datetimeFigureOut">
               <a:rPr lang="en-US" smtClean="0"/>
-              <a:t>7/5/21</a:t>
+              <a:t>7/8/21</a:t>
             </a:fld>
             <a:endParaRPr lang="en-US"/>
           </a:p>
@@ -3408,8 +3408,8 @@
         </p:nvSpPr>
         <p:spPr>
           <a:xfrm>
-            <a:off x="6986724" y="2160150"/>
-            <a:ext cx="1991426" cy="2873910"/>
+            <a:off x="6986723" y="2160150"/>
+            <a:ext cx="2188807" cy="2873910"/>
           </a:xfrm>
           <a:prstGeom prst="roundRect">
             <a:avLst/>
@@ -4458,8 +4458,8 @@
         </p:nvSpPr>
         <p:spPr>
           <a:xfrm>
-            <a:off x="7156171" y="2362400"/>
-            <a:ext cx="1620000" cy="810000"/>
+            <a:off x="7156170" y="2362400"/>
+            <a:ext cx="1821979" cy="810000"/>
           </a:xfrm>
           <a:prstGeom prst="flowChartDocument">
             <a:avLst/>
@@ -4561,8 +4561,8 @@
         </p:nvSpPr>
         <p:spPr>
           <a:xfrm>
-            <a:off x="7156171" y="3859807"/>
-            <a:ext cx="1620000" cy="810000"/>
+            <a:off x="7156170" y="3859807"/>
+            <a:ext cx="1821979" cy="810000"/>
           </a:xfrm>
           <a:prstGeom prst="flowChartDocument">
             <a:avLst/>
@@ -4636,7 +4636,7 @@
         <p:spPr>
           <a:xfrm flipV="1">
             <a:off x="6839016" y="2767400"/>
-            <a:ext cx="317155" cy="397"/>
+            <a:ext cx="317154" cy="397"/>
           </a:xfrm>
           <a:prstGeom prst="straightConnector1">
             <a:avLst/>
@@ -4679,7 +4679,7 @@
         <p:spPr>
           <a:xfrm>
             <a:off x="6839016" y="4264807"/>
-            <a:ext cx="317155" cy="0"/>
+            <a:ext cx="317154" cy="0"/>
           </a:xfrm>
           <a:prstGeom prst="straightConnector1">
             <a:avLst/>

--- a/docs/images/pipeline.pptx
+++ b/docs/images/pipeline.pptx
@@ -259,7 +259,7 @@
           <a:p>
             <a:fld id="{9BF4B002-F650-8A49-9257-AF48A4E75ECF}" type="datetimeFigureOut">
               <a:rPr lang="en-US" smtClean="0"/>
-              <a:t>7/8/21</a:t>
+              <a:t>12/8/22</a:t>
             </a:fld>
             <a:endParaRPr lang="en-US"/>
           </a:p>
@@ -457,7 +457,7 @@
           <a:p>
             <a:fld id="{9BF4B002-F650-8A49-9257-AF48A4E75ECF}" type="datetimeFigureOut">
               <a:rPr lang="en-US" smtClean="0"/>
-              <a:t>7/8/21</a:t>
+              <a:t>12/8/22</a:t>
             </a:fld>
             <a:endParaRPr lang="en-US"/>
           </a:p>
@@ -665,7 +665,7 @@
           <a:p>
             <a:fld id="{9BF4B002-F650-8A49-9257-AF48A4E75ECF}" type="datetimeFigureOut">
               <a:rPr lang="en-US" smtClean="0"/>
-              <a:t>7/8/21</a:t>
+              <a:t>12/8/22</a:t>
             </a:fld>
             <a:endParaRPr lang="en-US"/>
           </a:p>
@@ -863,7 +863,7 @@
           <a:p>
             <a:fld id="{9BF4B002-F650-8A49-9257-AF48A4E75ECF}" type="datetimeFigureOut">
               <a:rPr lang="en-US" smtClean="0"/>
-              <a:t>7/8/21</a:t>
+              <a:t>12/8/22</a:t>
             </a:fld>
             <a:endParaRPr lang="en-US"/>
           </a:p>
@@ -1138,7 +1138,7 @@
           <a:p>
             <a:fld id="{9BF4B002-F650-8A49-9257-AF48A4E75ECF}" type="datetimeFigureOut">
               <a:rPr lang="en-US" smtClean="0"/>
-              <a:t>7/8/21</a:t>
+              <a:t>12/8/22</a:t>
             </a:fld>
             <a:endParaRPr lang="en-US"/>
           </a:p>
@@ -1403,7 +1403,7 @@
           <a:p>
             <a:fld id="{9BF4B002-F650-8A49-9257-AF48A4E75ECF}" type="datetimeFigureOut">
               <a:rPr lang="en-US" smtClean="0"/>
-              <a:t>7/8/21</a:t>
+              <a:t>12/8/22</a:t>
             </a:fld>
             <a:endParaRPr lang="en-US"/>
           </a:p>
@@ -1815,7 +1815,7 @@
           <a:p>
             <a:fld id="{9BF4B002-F650-8A49-9257-AF48A4E75ECF}" type="datetimeFigureOut">
               <a:rPr lang="en-US" smtClean="0"/>
-              <a:t>7/8/21</a:t>
+              <a:t>12/8/22</a:t>
             </a:fld>
             <a:endParaRPr lang="en-US"/>
           </a:p>
@@ -1956,7 +1956,7 @@
           <a:p>
             <a:fld id="{9BF4B002-F650-8A49-9257-AF48A4E75ECF}" type="datetimeFigureOut">
               <a:rPr lang="en-US" smtClean="0"/>
-              <a:t>7/8/21</a:t>
+              <a:t>12/8/22</a:t>
             </a:fld>
             <a:endParaRPr lang="en-US"/>
           </a:p>
@@ -2069,7 +2069,7 @@
           <a:p>
             <a:fld id="{9BF4B002-F650-8A49-9257-AF48A4E75ECF}" type="datetimeFigureOut">
               <a:rPr lang="en-US" smtClean="0"/>
-              <a:t>7/8/21</a:t>
+              <a:t>12/8/22</a:t>
             </a:fld>
             <a:endParaRPr lang="en-US"/>
           </a:p>
@@ -2380,7 +2380,7 @@
           <a:p>
             <a:fld id="{9BF4B002-F650-8A49-9257-AF48A4E75ECF}" type="datetimeFigureOut">
               <a:rPr lang="en-US" smtClean="0"/>
-              <a:t>7/8/21</a:t>
+              <a:t>12/8/22</a:t>
             </a:fld>
             <a:endParaRPr lang="en-US"/>
           </a:p>
@@ -2668,7 +2668,7 @@
           <a:p>
             <a:fld id="{9BF4B002-F650-8A49-9257-AF48A4E75ECF}" type="datetimeFigureOut">
               <a:rPr lang="en-US" smtClean="0"/>
-              <a:t>7/8/21</a:t>
+              <a:t>12/8/22</a:t>
             </a:fld>
             <a:endParaRPr lang="en-US"/>
           </a:p>
@@ -2909,7 +2909,7 @@
           <a:p>
             <a:fld id="{9BF4B002-F650-8A49-9257-AF48A4E75ECF}" type="datetimeFigureOut">
               <a:rPr lang="en-US" smtClean="0"/>
-              <a:t>7/8/21</a:t>
+              <a:t>12/8/22</a:t>
             </a:fld>
             <a:endParaRPr lang="en-US"/>
           </a:p>
@@ -3328,10 +3328,10 @@
       </p:grpSpPr>
       <p:sp>
         <p:nvSpPr>
-          <p:cNvPr id="27" name="Rounded Rectangle 26">
-            <a:extLst>
-              <a:ext uri="{FF2B5EF4-FFF2-40B4-BE49-F238E27FC236}">
-                <a16:creationId xmlns:a16="http://schemas.microsoft.com/office/drawing/2014/main" id="{48558F4D-E1B3-3548-B166-6C7E344BCEC3}"/>
+          <p:cNvPr id="3" name="Rounded Rectangle 2">
+            <a:extLst>
+              <a:ext uri="{FF2B5EF4-FFF2-40B4-BE49-F238E27FC236}">
+                <a16:creationId xmlns:a16="http://schemas.microsoft.com/office/drawing/2014/main" id="{CB5DADF2-B5F4-484B-A838-21FF856A3A11}"/>
               </a:ext>
             </a:extLst>
           </p:cNvPr>
@@ -3340,8 +3340,326 @@
         </p:nvSpPr>
         <p:spPr>
           <a:xfrm>
-            <a:off x="2056015" y="155169"/>
-            <a:ext cx="2957419" cy="1288871"/>
+            <a:off x="2346325" y="2162718"/>
+            <a:ext cx="2118168" cy="3744865"/>
+          </a:xfrm>
+          <a:prstGeom prst="roundRect">
+            <a:avLst/>
+          </a:prstGeom>
+          <a:solidFill>
+            <a:schemeClr val="accent4">
+              <a:lumMod val="20000"/>
+              <a:lumOff val="80000"/>
+            </a:schemeClr>
+          </a:solidFill>
+          <a:ln>
+            <a:solidFill>
+              <a:schemeClr val="accent4">
+                <a:lumMod val="75000"/>
+              </a:schemeClr>
+            </a:solidFill>
+          </a:ln>
+        </p:spPr>
+        <p:style>
+          <a:lnRef idx="2">
+            <a:schemeClr val="accent1">
+              <a:shade val="50000"/>
+            </a:schemeClr>
+          </a:lnRef>
+          <a:fillRef idx="1">
+            <a:schemeClr val="accent1"/>
+          </a:fillRef>
+          <a:effectRef idx="0">
+            <a:schemeClr val="accent1"/>
+          </a:effectRef>
+          <a:fontRef idx="minor">
+            <a:schemeClr val="lt1"/>
+          </a:fontRef>
+        </p:style>
+        <p:txBody>
+          <a:bodyPr bIns="0" rtlCol="0" anchor="b" anchorCtr="0"/>
+          <a:lstStyle/>
+          <a:p>
+            <a:pPr algn="ctr"/>
+            <a:r>
+              <a:rPr lang="en-US" dirty="0">
+                <a:solidFill>
+                  <a:schemeClr val="accent4">
+                    <a:lumMod val="75000"/>
+                  </a:schemeClr>
+                </a:solidFill>
+              </a:rPr>
+              <a:t>Intermediate files</a:t>
+            </a:r>
+          </a:p>
+        </p:txBody>
+      </p:sp>
+      <p:cxnSp>
+        <p:nvCxnSpPr>
+          <p:cNvPr id="11" name="Straight Arrow Connector 10">
+            <a:extLst>
+              <a:ext uri="{FF2B5EF4-FFF2-40B4-BE49-F238E27FC236}">
+                <a16:creationId xmlns:a16="http://schemas.microsoft.com/office/drawing/2014/main" id="{94992B5C-A17E-E757-8D43-A455507290A6}"/>
+              </a:ext>
+            </a:extLst>
+          </p:cNvPr>
+          <p:cNvCxnSpPr>
+            <a:cxnSpLocks/>
+            <a:endCxn id="2" idx="0"/>
+          </p:cNvCxnSpPr>
+          <p:nvPr/>
+        </p:nvCxnSpPr>
+        <p:spPr>
+          <a:xfrm>
+            <a:off x="3457181" y="4063029"/>
+            <a:ext cx="0" cy="411314"/>
+          </a:xfrm>
+          <a:prstGeom prst="straightConnector1">
+            <a:avLst/>
+          </a:prstGeom>
+          <a:ln w="31750">
+            <a:tailEnd type="triangle" w="lg" len="med"/>
+          </a:ln>
+        </p:spPr>
+        <p:style>
+          <a:lnRef idx="1">
+            <a:schemeClr val="accent1"/>
+          </a:lnRef>
+          <a:fillRef idx="0">
+            <a:schemeClr val="accent1"/>
+          </a:fillRef>
+          <a:effectRef idx="0">
+            <a:schemeClr val="accent1"/>
+          </a:effectRef>
+          <a:fontRef idx="minor">
+            <a:schemeClr val="tx1"/>
+          </a:fontRef>
+        </p:style>
+      </p:cxnSp>
+      <p:sp>
+        <p:nvSpPr>
+          <p:cNvPr id="29" name="Rounded Rectangle 28">
+            <a:extLst>
+              <a:ext uri="{FF2B5EF4-FFF2-40B4-BE49-F238E27FC236}">
+                <a16:creationId xmlns:a16="http://schemas.microsoft.com/office/drawing/2014/main" id="{83CD056B-83E7-0541-9F17-AFF3C4FAC657}"/>
+              </a:ext>
+            </a:extLst>
+          </p:cNvPr>
+          <p:cNvSpPr/>
+          <p:nvPr/>
+        </p:nvSpPr>
+        <p:spPr>
+          <a:xfrm>
+            <a:off x="7218566" y="3202695"/>
+            <a:ext cx="2174883" cy="2704888"/>
+          </a:xfrm>
+          <a:prstGeom prst="roundRect">
+            <a:avLst/>
+          </a:prstGeom>
+          <a:solidFill>
+            <a:schemeClr val="accent2">
+              <a:lumMod val="20000"/>
+              <a:lumOff val="80000"/>
+            </a:schemeClr>
+          </a:solidFill>
+          <a:ln>
+            <a:solidFill>
+              <a:schemeClr val="accent2">
+                <a:lumMod val="75000"/>
+              </a:schemeClr>
+            </a:solidFill>
+          </a:ln>
+        </p:spPr>
+        <p:style>
+          <a:lnRef idx="2">
+            <a:schemeClr val="accent1">
+              <a:shade val="50000"/>
+            </a:schemeClr>
+          </a:lnRef>
+          <a:fillRef idx="1">
+            <a:schemeClr val="accent1"/>
+          </a:fillRef>
+          <a:effectRef idx="0">
+            <a:schemeClr val="accent1"/>
+          </a:effectRef>
+          <a:fontRef idx="minor">
+            <a:schemeClr val="lt1"/>
+          </a:fontRef>
+        </p:style>
+        <p:txBody>
+          <a:bodyPr bIns="0" rtlCol="0" anchor="b" anchorCtr="0"/>
+          <a:lstStyle/>
+          <a:p>
+            <a:pPr algn="ctr"/>
+            <a:r>
+              <a:rPr lang="en-US" dirty="0">
+                <a:solidFill>
+                  <a:schemeClr val="accent2">
+                    <a:lumMod val="75000"/>
+                  </a:schemeClr>
+                </a:solidFill>
+              </a:rPr>
+              <a:t>Report files</a:t>
+            </a:r>
+          </a:p>
+        </p:txBody>
+      </p:sp>
+      <p:sp>
+        <p:nvSpPr>
+          <p:cNvPr id="30" name="Document 29">
+            <a:extLst>
+              <a:ext uri="{FF2B5EF4-FFF2-40B4-BE49-F238E27FC236}">
+                <a16:creationId xmlns:a16="http://schemas.microsoft.com/office/drawing/2014/main" id="{C1D27143-0972-E542-9D84-DEE61C4D46EB}"/>
+              </a:ext>
+            </a:extLst>
+          </p:cNvPr>
+          <p:cNvSpPr/>
+          <p:nvPr/>
+        </p:nvSpPr>
+        <p:spPr>
+          <a:xfrm>
+            <a:off x="7379089" y="3428718"/>
+            <a:ext cx="1899558" cy="513105"/>
+          </a:xfrm>
+          <a:prstGeom prst="flowChartDocument">
+            <a:avLst/>
+          </a:prstGeom>
+          <a:solidFill>
+            <a:schemeClr val="accent2">
+              <a:lumMod val="40000"/>
+              <a:lumOff val="60000"/>
+            </a:schemeClr>
+          </a:solidFill>
+          <a:ln>
+            <a:solidFill>
+              <a:schemeClr val="tx1">
+                <a:lumMod val="95000"/>
+                <a:lumOff val="5000"/>
+              </a:schemeClr>
+            </a:solidFill>
+          </a:ln>
+        </p:spPr>
+        <p:style>
+          <a:lnRef idx="2">
+            <a:schemeClr val="accent1">
+              <a:shade val="50000"/>
+            </a:schemeClr>
+          </a:lnRef>
+          <a:fillRef idx="1">
+            <a:schemeClr val="accent1"/>
+          </a:fillRef>
+          <a:effectRef idx="0">
+            <a:schemeClr val="accent1"/>
+          </a:effectRef>
+          <a:fontRef idx="minor">
+            <a:schemeClr val="lt1"/>
+          </a:fontRef>
+        </p:style>
+        <p:txBody>
+          <a:bodyPr rtlCol="0" anchor="t" anchorCtr="0"/>
+          <a:lstStyle/>
+          <a:p>
+            <a:pPr algn="ctr"/>
+            <a:r>
+              <a:rPr lang="en-US" dirty="0">
+                <a:solidFill>
+                  <a:schemeClr val="tx1">
+                    <a:lumMod val="95000"/>
+                    <a:lumOff val="5000"/>
+                  </a:schemeClr>
+                </a:solidFill>
+              </a:rPr>
+              <a:t>ASV vs species</a:t>
+            </a:r>
+          </a:p>
+        </p:txBody>
+      </p:sp>
+      <p:sp>
+        <p:nvSpPr>
+          <p:cNvPr id="31" name="Document 30">
+            <a:extLst>
+              <a:ext uri="{FF2B5EF4-FFF2-40B4-BE49-F238E27FC236}">
+                <a16:creationId xmlns:a16="http://schemas.microsoft.com/office/drawing/2014/main" id="{9177305A-B5D5-3249-A0CA-92C52D09A8A3}"/>
+              </a:ext>
+            </a:extLst>
+          </p:cNvPr>
+          <p:cNvSpPr/>
+          <p:nvPr/>
+        </p:nvSpPr>
+        <p:spPr>
+          <a:xfrm>
+            <a:off x="7379089" y="4130417"/>
+            <a:ext cx="1899558" cy="513105"/>
+          </a:xfrm>
+          <a:prstGeom prst="flowChartDocument">
+            <a:avLst/>
+          </a:prstGeom>
+          <a:solidFill>
+            <a:schemeClr val="accent2">
+              <a:lumMod val="40000"/>
+              <a:lumOff val="60000"/>
+            </a:schemeClr>
+          </a:solidFill>
+          <a:ln>
+            <a:solidFill>
+              <a:schemeClr val="tx1">
+                <a:lumMod val="95000"/>
+                <a:lumOff val="5000"/>
+              </a:schemeClr>
+            </a:solidFill>
+          </a:ln>
+        </p:spPr>
+        <p:style>
+          <a:lnRef idx="2">
+            <a:schemeClr val="accent1">
+              <a:shade val="50000"/>
+            </a:schemeClr>
+          </a:lnRef>
+          <a:fillRef idx="1">
+            <a:schemeClr val="accent1"/>
+          </a:fillRef>
+          <a:effectRef idx="0">
+            <a:schemeClr val="accent1"/>
+          </a:effectRef>
+          <a:fontRef idx="minor">
+            <a:schemeClr val="lt1"/>
+          </a:fontRef>
+        </p:style>
+        <p:txBody>
+          <a:bodyPr rtlCol="0" anchor="t" anchorCtr="0"/>
+          <a:lstStyle/>
+          <a:p>
+            <a:pPr algn="ctr"/>
+            <a:r>
+              <a:rPr lang="en-US" dirty="0">
+                <a:solidFill>
+                  <a:schemeClr val="tx1">
+                    <a:lumMod val="95000"/>
+                    <a:lumOff val="5000"/>
+                  </a:schemeClr>
+                </a:solidFill>
+              </a:rPr>
+              <a:t>Sample vs species</a:t>
+            </a:r>
+          </a:p>
+        </p:txBody>
+      </p:sp>
+      <p:sp>
+        <p:nvSpPr>
+          <p:cNvPr id="27" name="Rounded Rectangle 26">
+            <a:extLst>
+              <a:ext uri="{FF2B5EF4-FFF2-40B4-BE49-F238E27FC236}">
+                <a16:creationId xmlns:a16="http://schemas.microsoft.com/office/drawing/2014/main" id="{48558F4D-E1B3-3548-B166-6C7E344BCEC3}"/>
+              </a:ext>
+            </a:extLst>
+          </p:cNvPr>
+          <p:cNvSpPr/>
+          <p:nvPr/>
+        </p:nvSpPr>
+        <p:spPr>
+          <a:xfrm>
+            <a:off x="2148840" y="155169"/>
+            <a:ext cx="2896126" cy="1288871"/>
           </a:xfrm>
           <a:prstGeom prst="roundRect">
             <a:avLst/>
@@ -3396,10 +3714,10 @@
       </p:sp>
       <p:sp>
         <p:nvSpPr>
-          <p:cNvPr id="26" name="Rounded Rectangle 25">
-            <a:extLst>
-              <a:ext uri="{FF2B5EF4-FFF2-40B4-BE49-F238E27FC236}">
-                <a16:creationId xmlns:a16="http://schemas.microsoft.com/office/drawing/2014/main" id="{DB27987B-F7B6-D74E-BC65-C1D8812F731F}"/>
+          <p:cNvPr id="4" name="Multidocument 3">
+            <a:extLst>
+              <a:ext uri="{FF2B5EF4-FFF2-40B4-BE49-F238E27FC236}">
+                <a16:creationId xmlns:a16="http://schemas.microsoft.com/office/drawing/2014/main" id="{D44D42A9-9DCD-2548-876D-EC395E3ACB15}"/>
               </a:ext>
             </a:extLst>
           </p:cNvPr>
@@ -3408,143 +3726,7 @@
         </p:nvSpPr>
         <p:spPr>
           <a:xfrm>
-            <a:off x="6986723" y="2160150"/>
-            <a:ext cx="2188807" cy="2873910"/>
-          </a:xfrm>
-          <a:prstGeom prst="roundRect">
-            <a:avLst/>
-          </a:prstGeom>
-          <a:solidFill>
-            <a:schemeClr val="accent2">
-              <a:lumMod val="20000"/>
-              <a:lumOff val="80000"/>
-            </a:schemeClr>
-          </a:solidFill>
-          <a:ln>
-            <a:solidFill>
-              <a:schemeClr val="accent2">
-                <a:lumMod val="75000"/>
-              </a:schemeClr>
-            </a:solidFill>
-          </a:ln>
-        </p:spPr>
-        <p:style>
-          <a:lnRef idx="2">
-            <a:schemeClr val="accent1">
-              <a:shade val="50000"/>
-            </a:schemeClr>
-          </a:lnRef>
-          <a:fillRef idx="1">
-            <a:schemeClr val="accent1"/>
-          </a:fillRef>
-          <a:effectRef idx="0">
-            <a:schemeClr val="accent1"/>
-          </a:effectRef>
-          <a:fontRef idx="minor">
-            <a:schemeClr val="lt1"/>
-          </a:fontRef>
-        </p:style>
-        <p:txBody>
-          <a:bodyPr bIns="0" rtlCol="0" anchor="b" anchorCtr="0"/>
-          <a:lstStyle/>
-          <a:p>
-            <a:pPr algn="ctr"/>
-            <a:r>
-              <a:rPr lang="en-US" dirty="0">
-                <a:solidFill>
-                  <a:schemeClr val="accent2">
-                    <a:lumMod val="75000"/>
-                  </a:schemeClr>
-                </a:solidFill>
-              </a:rPr>
-              <a:t>Output files</a:t>
-            </a:r>
-          </a:p>
-        </p:txBody>
-      </p:sp>
-      <p:sp>
-        <p:nvSpPr>
-          <p:cNvPr id="3" name="Rounded Rectangle 2">
-            <a:extLst>
-              <a:ext uri="{FF2B5EF4-FFF2-40B4-BE49-F238E27FC236}">
-                <a16:creationId xmlns:a16="http://schemas.microsoft.com/office/drawing/2014/main" id="{CB5DADF2-B5F4-484B-A838-21FF856A3A11}"/>
-              </a:ext>
-            </a:extLst>
-          </p:cNvPr>
-          <p:cNvSpPr/>
-          <p:nvPr/>
-        </p:nvSpPr>
-        <p:spPr>
-          <a:xfrm>
-            <a:off x="2346324" y="2162718"/>
-            <a:ext cx="2221713" cy="2873910"/>
-          </a:xfrm>
-          <a:prstGeom prst="roundRect">
-            <a:avLst/>
-          </a:prstGeom>
-          <a:solidFill>
-            <a:schemeClr val="accent4">
-              <a:lumMod val="20000"/>
-              <a:lumOff val="80000"/>
-            </a:schemeClr>
-          </a:solidFill>
-          <a:ln>
-            <a:solidFill>
-              <a:schemeClr val="accent4">
-                <a:lumMod val="75000"/>
-              </a:schemeClr>
-            </a:solidFill>
-          </a:ln>
-        </p:spPr>
-        <p:style>
-          <a:lnRef idx="2">
-            <a:schemeClr val="accent1">
-              <a:shade val="50000"/>
-            </a:schemeClr>
-          </a:lnRef>
-          <a:fillRef idx="1">
-            <a:schemeClr val="accent1"/>
-          </a:fillRef>
-          <a:effectRef idx="0">
-            <a:schemeClr val="accent1"/>
-          </a:effectRef>
-          <a:fontRef idx="minor">
-            <a:schemeClr val="lt1"/>
-          </a:fontRef>
-        </p:style>
-        <p:txBody>
-          <a:bodyPr bIns="0" rtlCol="0" anchor="b" anchorCtr="0"/>
-          <a:lstStyle/>
-          <a:p>
-            <a:pPr algn="ctr"/>
-            <a:r>
-              <a:rPr lang="en-US" dirty="0">
-                <a:solidFill>
-                  <a:schemeClr val="accent4">
-                    <a:lumMod val="75000"/>
-                  </a:schemeClr>
-                </a:solidFill>
-              </a:rPr>
-              <a:t>Intermediate files</a:t>
-            </a:r>
-          </a:p>
-        </p:txBody>
-      </p:sp>
-      <p:sp>
-        <p:nvSpPr>
-          <p:cNvPr id="4" name="Multidocument 3">
-            <a:extLst>
-              <a:ext uri="{FF2B5EF4-FFF2-40B4-BE49-F238E27FC236}">
-                <a16:creationId xmlns:a16="http://schemas.microsoft.com/office/drawing/2014/main" id="{D44D42A9-9DCD-2548-876D-EC395E3ACB15}"/>
-              </a:ext>
-            </a:extLst>
-          </p:cNvPr>
-          <p:cNvSpPr/>
-          <p:nvPr/>
-        </p:nvSpPr>
-        <p:spPr>
-          <a:xfrm>
-            <a:off x="2166850" y="493216"/>
+            <a:off x="2281150" y="493216"/>
             <a:ext cx="1235041" cy="900000"/>
           </a:xfrm>
           <a:prstGeom prst="flowChartMultidocument">
@@ -3810,8 +3992,8 @@
         </p:nvCxnSpPr>
         <p:spPr>
           <a:xfrm rot="16200000" flipH="1">
-            <a:off x="2884727" y="1172894"/>
-            <a:ext cx="386217" cy="758693"/>
+            <a:off x="2941877" y="1230044"/>
+            <a:ext cx="386217" cy="644393"/>
           </a:xfrm>
           <a:prstGeom prst="bentConnector3">
             <a:avLst>
@@ -3880,57 +4062,6 @@
           </a:fontRef>
         </p:style>
       </p:cxnSp>
-      <p:sp>
-        <p:nvSpPr>
-          <p:cNvPr id="20" name="Predefined Process 19">
-            <a:extLst>
-              <a:ext uri="{FF2B5EF4-FFF2-40B4-BE49-F238E27FC236}">
-                <a16:creationId xmlns:a16="http://schemas.microsoft.com/office/drawing/2014/main" id="{6D0D1981-42F7-1243-9B82-BD7A2E4B3DA8}"/>
-              </a:ext>
-            </a:extLst>
-          </p:cNvPr>
-          <p:cNvSpPr/>
-          <p:nvPr/>
-        </p:nvSpPr>
-        <p:spPr>
-          <a:xfrm>
-            <a:off x="2588886" y="3351247"/>
-            <a:ext cx="1736592" cy="354625"/>
-          </a:xfrm>
-          <a:prstGeom prst="flowChartPredefinedProcess">
-            <a:avLst/>
-          </a:prstGeom>
-        </p:spPr>
-        <p:style>
-          <a:lnRef idx="2">
-            <a:schemeClr val="accent1">
-              <a:shade val="50000"/>
-            </a:schemeClr>
-          </a:lnRef>
-          <a:fillRef idx="1">
-            <a:schemeClr val="accent1"/>
-          </a:fillRef>
-          <a:effectRef idx="0">
-            <a:schemeClr val="accent1"/>
-          </a:effectRef>
-          <a:fontRef idx="minor">
-            <a:schemeClr val="lt1"/>
-          </a:fontRef>
-        </p:style>
-        <p:txBody>
-          <a:bodyPr rtlCol="0" anchor="ctr"/>
-          <a:lstStyle/>
-          <a:p>
-            <a:pPr algn="ctr"/>
-            <a:r>
-              <a:rPr lang="en-US" dirty="0">
-                <a:latin typeface="Andale Mono" panose="020B0509000000000004" pitchFamily="49" charset="0"/>
-              </a:rPr>
-              <a:t>classify</a:t>
-            </a:r>
-          </a:p>
-        </p:txBody>
-      </p:sp>
       <p:cxnSp>
         <p:nvCxnSpPr>
           <p:cNvPr id="22" name="Straight Arrow Connector 21">
@@ -3985,127 +4116,13 @@
           </p:cNvPr>
           <p:cNvCxnSpPr>
             <a:cxnSpLocks/>
-            <a:stCxn id="20" idx="2"/>
           </p:cNvCxnSpPr>
           <p:nvPr/>
         </p:nvCxnSpPr>
         <p:spPr>
           <a:xfrm>
-            <a:off x="3457182" y="3705872"/>
+            <a:off x="3457181" y="3514319"/>
             <a:ext cx="0" cy="333949"/>
-          </a:xfrm>
-          <a:prstGeom prst="straightConnector1">
-            <a:avLst/>
-          </a:prstGeom>
-          <a:ln w="31750">
-            <a:tailEnd type="triangle" w="lg" len="med"/>
-          </a:ln>
-        </p:spPr>
-        <p:style>
-          <a:lnRef idx="1">
-            <a:schemeClr val="accent1"/>
-          </a:lnRef>
-          <a:fillRef idx="0">
-            <a:schemeClr val="accent1"/>
-          </a:fillRef>
-          <a:effectRef idx="0">
-            <a:schemeClr val="accent1"/>
-          </a:effectRef>
-          <a:fontRef idx="minor">
-            <a:schemeClr val="tx1"/>
-          </a:fontRef>
-        </p:style>
-      </p:cxnSp>
-      <p:sp>
-        <p:nvSpPr>
-          <p:cNvPr id="39" name="Direct Access Storage 38">
-            <a:extLst>
-              <a:ext uri="{FF2B5EF4-FFF2-40B4-BE49-F238E27FC236}">
-                <a16:creationId xmlns:a16="http://schemas.microsoft.com/office/drawing/2014/main" id="{1E343600-653D-E140-9248-C69F229F6E8C}"/>
-              </a:ext>
-            </a:extLst>
-          </p:cNvPr>
-          <p:cNvSpPr/>
-          <p:nvPr/>
-        </p:nvSpPr>
-        <p:spPr>
-          <a:xfrm>
-            <a:off x="4710958" y="3205947"/>
-            <a:ext cx="2128058" cy="652838"/>
-          </a:xfrm>
-          <a:prstGeom prst="flowChartMagneticDrum">
-            <a:avLst/>
-          </a:prstGeom>
-          <a:solidFill>
-            <a:schemeClr val="accent1">
-              <a:lumMod val="40000"/>
-              <a:lumOff val="60000"/>
-            </a:schemeClr>
-          </a:solidFill>
-          <a:ln>
-            <a:solidFill>
-              <a:schemeClr val="tx1">
-                <a:lumMod val="95000"/>
-                <a:lumOff val="5000"/>
-              </a:schemeClr>
-            </a:solidFill>
-          </a:ln>
-        </p:spPr>
-        <p:style>
-          <a:lnRef idx="2">
-            <a:schemeClr val="accent1">
-              <a:shade val="50000"/>
-            </a:schemeClr>
-          </a:lnRef>
-          <a:fillRef idx="1">
-            <a:schemeClr val="accent1"/>
-          </a:fillRef>
-          <a:effectRef idx="0">
-            <a:schemeClr val="accent1"/>
-          </a:effectRef>
-          <a:fontRef idx="minor">
-            <a:schemeClr val="lt1"/>
-          </a:fontRef>
-        </p:style>
-        <p:txBody>
-          <a:bodyPr rtlCol="0" anchor="ctr"/>
-          <a:lstStyle/>
-          <a:p>
-            <a:pPr algn="ctr"/>
-            <a:r>
-              <a:rPr lang="en-US" dirty="0">
-                <a:solidFill>
-                  <a:schemeClr val="tx1">
-                    <a:lumMod val="95000"/>
-                    <a:lumOff val="5000"/>
-                  </a:schemeClr>
-                </a:solidFill>
-              </a:rPr>
-              <a:t>ITS1 Database</a:t>
-            </a:r>
-          </a:p>
-        </p:txBody>
-      </p:sp>
-      <p:cxnSp>
-        <p:nvCxnSpPr>
-          <p:cNvPr id="40" name="Straight Arrow Connector 39">
-            <a:extLst>
-              <a:ext uri="{FF2B5EF4-FFF2-40B4-BE49-F238E27FC236}">
-                <a16:creationId xmlns:a16="http://schemas.microsoft.com/office/drawing/2014/main" id="{C1C55D77-C6F0-6348-AD64-F1270D96C8A8}"/>
-              </a:ext>
-            </a:extLst>
-          </p:cNvPr>
-          <p:cNvCxnSpPr>
-            <a:cxnSpLocks/>
-            <a:stCxn id="39" idx="1"/>
-            <a:endCxn id="20" idx="3"/>
-          </p:cNvCxnSpPr>
-          <p:nvPr/>
-        </p:nvCxnSpPr>
-        <p:spPr>
-          <a:xfrm flipH="1" flipV="1">
-            <a:off x="4325478" y="3528560"/>
-            <a:ext cx="385480" cy="3806"/>
           </a:xfrm>
           <a:prstGeom prst="straightConnector1">
             <a:avLst/>
@@ -4227,8 +4244,8 @@
         </p:nvSpPr>
         <p:spPr>
           <a:xfrm>
-            <a:off x="4710958" y="4086691"/>
-            <a:ext cx="2128058" cy="356232"/>
+            <a:off x="4754088" y="4215020"/>
+            <a:ext cx="2174882" cy="356232"/>
           </a:xfrm>
           <a:prstGeom prst="flowChartPredefinedProcess">
             <a:avLst/>
@@ -4275,15 +4292,15 @@
           </p:cNvPr>
           <p:cNvCxnSpPr>
             <a:cxnSpLocks/>
-            <a:stCxn id="28" idx="3"/>
-            <a:endCxn id="43" idx="1"/>
+            <a:stCxn id="9" idx="3"/>
+            <a:endCxn id="145" idx="1"/>
           </p:cNvCxnSpPr>
           <p:nvPr/>
         </p:nvCxnSpPr>
         <p:spPr>
           <a:xfrm flipV="1">
-            <a:off x="4163961" y="4264807"/>
-            <a:ext cx="546997" cy="3700"/>
+            <a:off x="4163960" y="5264886"/>
+            <a:ext cx="601713" cy="1907"/>
           </a:xfrm>
           <a:prstGeom prst="straightConnector1">
             <a:avLst/>
@@ -4307,77 +4324,26 @@
           </a:fontRef>
         </p:style>
       </p:cxnSp>
-      <p:sp>
-        <p:nvSpPr>
-          <p:cNvPr id="62" name="Predefined Process 61">
-            <a:extLst>
-              <a:ext uri="{FF2B5EF4-FFF2-40B4-BE49-F238E27FC236}">
-                <a16:creationId xmlns:a16="http://schemas.microsoft.com/office/drawing/2014/main" id="{7013FA66-4919-A746-8849-FF5694458897}"/>
-              </a:ext>
-            </a:extLst>
-          </p:cNvPr>
-          <p:cNvSpPr/>
-          <p:nvPr/>
-        </p:nvSpPr>
-        <p:spPr>
-          <a:xfrm>
-            <a:off x="4710958" y="2591689"/>
-            <a:ext cx="2128058" cy="352215"/>
-          </a:xfrm>
-          <a:prstGeom prst="flowChartPredefinedProcess">
-            <a:avLst/>
-          </a:prstGeom>
-        </p:spPr>
-        <p:style>
-          <a:lnRef idx="2">
-            <a:schemeClr val="accent1">
-              <a:shade val="50000"/>
-            </a:schemeClr>
-          </a:lnRef>
-          <a:fillRef idx="1">
-            <a:schemeClr val="accent1"/>
-          </a:fillRef>
-          <a:effectRef idx="0">
-            <a:schemeClr val="accent1"/>
-          </a:effectRef>
-          <a:fontRef idx="minor">
-            <a:schemeClr val="lt1"/>
-          </a:fontRef>
-        </p:style>
-        <p:txBody>
-          <a:bodyPr rtlCol="0" anchor="ctr"/>
-          <a:lstStyle/>
-          <a:p>
-            <a:pPr algn="ctr"/>
-            <a:r>
-              <a:rPr lang="en-US" dirty="0">
-                <a:latin typeface="Andale Mono" panose="020B0509000000000004" pitchFamily="49" charset="0"/>
-              </a:rPr>
-              <a:t>edit-graph</a:t>
-            </a:r>
-          </a:p>
-        </p:txBody>
-      </p:sp>
       <p:cxnSp>
         <p:nvCxnSpPr>
-          <p:cNvPr id="63" name="Straight Arrow Connector 62">
-            <a:extLst>
-              <a:ext uri="{FF2B5EF4-FFF2-40B4-BE49-F238E27FC236}">
-                <a16:creationId xmlns:a16="http://schemas.microsoft.com/office/drawing/2014/main" id="{E096ADE7-A31A-3D4C-91CF-D2A366202D60}"/>
+          <p:cNvPr id="150" name="Straight Arrow Connector 149">
+            <a:extLst>
+              <a:ext uri="{FF2B5EF4-FFF2-40B4-BE49-F238E27FC236}">
+                <a16:creationId xmlns:a16="http://schemas.microsoft.com/office/drawing/2014/main" id="{A2DCFD74-FF9F-274F-850B-AF208EC79FF1}"/>
               </a:ext>
             </a:extLst>
           </p:cNvPr>
           <p:cNvCxnSpPr>
             <a:cxnSpLocks/>
-            <a:stCxn id="15" idx="3"/>
-            <a:endCxn id="62" idx="1"/>
+            <a:stCxn id="43" idx="3"/>
+            <a:endCxn id="31" idx="1"/>
           </p:cNvCxnSpPr>
           <p:nvPr/>
         </p:nvCxnSpPr>
         <p:spPr>
-          <a:xfrm>
-            <a:off x="4206007" y="2767400"/>
-            <a:ext cx="504951" cy="397"/>
+          <a:xfrm flipV="1">
+            <a:off x="6928970" y="4386970"/>
+            <a:ext cx="450119" cy="6166"/>
           </a:xfrm>
           <a:prstGeom prst="straightConnector1">
             <a:avLst/>
@@ -4401,55 +4367,12 @@
           </a:fontRef>
         </p:style>
       </p:cxnSp>
-      <p:cxnSp>
-        <p:nvCxnSpPr>
-          <p:cNvPr id="142" name="Straight Arrow Connector 141">
-            <a:extLst>
-              <a:ext uri="{FF2B5EF4-FFF2-40B4-BE49-F238E27FC236}">
-                <a16:creationId xmlns:a16="http://schemas.microsoft.com/office/drawing/2014/main" id="{78837652-7F47-2241-9483-A176E72A44F8}"/>
-              </a:ext>
-            </a:extLst>
-          </p:cNvPr>
-          <p:cNvCxnSpPr>
-            <a:cxnSpLocks/>
-            <a:stCxn id="39" idx="0"/>
-            <a:endCxn id="62" idx="2"/>
-          </p:cNvCxnSpPr>
-          <p:nvPr/>
-        </p:nvCxnSpPr>
-        <p:spPr>
-          <a:xfrm flipV="1">
-            <a:off x="5774987" y="2943904"/>
-            <a:ext cx="0" cy="262043"/>
-          </a:xfrm>
-          <a:prstGeom prst="straightConnector1">
-            <a:avLst/>
-          </a:prstGeom>
-          <a:ln w="31750">
-            <a:tailEnd type="triangle" w="lg" len="med"/>
-          </a:ln>
-        </p:spPr>
-        <p:style>
-          <a:lnRef idx="1">
-            <a:schemeClr val="accent1"/>
-          </a:lnRef>
-          <a:fillRef idx="0">
-            <a:schemeClr val="accent1"/>
-          </a:fillRef>
-          <a:effectRef idx="0">
-            <a:schemeClr val="accent1"/>
-          </a:effectRef>
-          <a:fontRef idx="minor">
-            <a:schemeClr val="tx1"/>
-          </a:fontRef>
-        </p:style>
-      </p:cxnSp>
-      <p:sp>
-        <p:nvSpPr>
-          <p:cNvPr id="145" name="Document 144">
-            <a:extLst>
-              <a:ext uri="{FF2B5EF4-FFF2-40B4-BE49-F238E27FC236}">
-                <a16:creationId xmlns:a16="http://schemas.microsoft.com/office/drawing/2014/main" id="{9ADFCDE7-9EB0-2F4E-A449-9BAE26E58B05}"/>
+      <p:sp>
+        <p:nvSpPr>
+          <p:cNvPr id="28" name="Document 27">
+            <a:extLst>
+              <a:ext uri="{FF2B5EF4-FFF2-40B4-BE49-F238E27FC236}">
+                <a16:creationId xmlns:a16="http://schemas.microsoft.com/office/drawing/2014/main" id="{5C1A5AC8-640B-334C-B351-6D6A1593FEE0}"/>
               </a:ext>
             </a:extLst>
           </p:cNvPr>
@@ -4458,266 +4381,7 @@
         </p:nvSpPr>
         <p:spPr>
           <a:xfrm>
-            <a:off x="7156170" y="2362400"/>
-            <a:ext cx="1821979" cy="810000"/>
-          </a:xfrm>
-          <a:prstGeom prst="flowChartDocument">
-            <a:avLst/>
-          </a:prstGeom>
-          <a:solidFill>
-            <a:schemeClr val="accent2">
-              <a:lumMod val="40000"/>
-              <a:lumOff val="60000"/>
-            </a:schemeClr>
-          </a:solidFill>
-          <a:ln>
-            <a:solidFill>
-              <a:schemeClr val="tx1">
-                <a:lumMod val="95000"/>
-                <a:lumOff val="5000"/>
-              </a:schemeClr>
-            </a:solidFill>
-          </a:ln>
-        </p:spPr>
-        <p:style>
-          <a:lnRef idx="2">
-            <a:schemeClr val="accent1">
-              <a:shade val="50000"/>
-            </a:schemeClr>
-          </a:lnRef>
-          <a:fillRef idx="1">
-            <a:schemeClr val="accent1"/>
-          </a:fillRef>
-          <a:effectRef idx="0">
-            <a:schemeClr val="accent1"/>
-          </a:effectRef>
-          <a:fontRef idx="minor">
-            <a:schemeClr val="lt1"/>
-          </a:fontRef>
-        </p:style>
-        <p:txBody>
-          <a:bodyPr rtlCol="0" anchor="t" anchorCtr="0"/>
-          <a:lstStyle/>
-          <a:p>
-            <a:pPr algn="ctr"/>
-            <a:r>
-              <a:rPr lang="en-US" dirty="0">
-                <a:solidFill>
-                  <a:schemeClr val="tx1">
-                    <a:lumMod val="95000"/>
-                    <a:lumOff val="5000"/>
-                  </a:schemeClr>
-                </a:solidFill>
-              </a:rPr>
-              <a:t>XGMML graph</a:t>
-            </a:r>
-          </a:p>
-          <a:p>
-            <a:pPr algn="ctr"/>
-            <a:r>
-              <a:rPr lang="en-US" dirty="0">
-                <a:solidFill>
-                  <a:schemeClr val="tx1">
-                    <a:lumMod val="95000"/>
-                    <a:lumOff val="5000"/>
-                  </a:schemeClr>
-                </a:solidFill>
-              </a:rPr>
-              <a:t>for </a:t>
-            </a:r>
-            <a:r>
-              <a:rPr lang="en-US" dirty="0" err="1">
-                <a:solidFill>
-                  <a:schemeClr val="tx1">
-                    <a:lumMod val="95000"/>
-                    <a:lumOff val="5000"/>
-                  </a:schemeClr>
-                </a:solidFill>
-              </a:rPr>
-              <a:t>Cytoscape</a:t>
-            </a:r>
-            <a:endParaRPr lang="en-US" dirty="0">
-              <a:solidFill>
-                <a:schemeClr val="tx1">
-                  <a:lumMod val="95000"/>
-                  <a:lumOff val="5000"/>
-                </a:schemeClr>
-              </a:solidFill>
-            </a:endParaRPr>
-          </a:p>
-        </p:txBody>
-      </p:sp>
-      <p:sp>
-        <p:nvSpPr>
-          <p:cNvPr id="146" name="Document 145">
-            <a:extLst>
-              <a:ext uri="{FF2B5EF4-FFF2-40B4-BE49-F238E27FC236}">
-                <a16:creationId xmlns:a16="http://schemas.microsoft.com/office/drawing/2014/main" id="{AEC571A3-A1BE-B342-85C1-B2C0ADC6A46E}"/>
-              </a:ext>
-            </a:extLst>
-          </p:cNvPr>
-          <p:cNvSpPr/>
-          <p:nvPr/>
-        </p:nvSpPr>
-        <p:spPr>
-          <a:xfrm>
-            <a:off x="7156170" y="3859807"/>
-            <a:ext cx="1821979" cy="810000"/>
-          </a:xfrm>
-          <a:prstGeom prst="flowChartDocument">
-            <a:avLst/>
-          </a:prstGeom>
-          <a:solidFill>
-            <a:schemeClr val="accent2">
-              <a:lumMod val="40000"/>
-              <a:lumOff val="60000"/>
-            </a:schemeClr>
-          </a:solidFill>
-          <a:ln>
-            <a:solidFill>
-              <a:schemeClr val="tx1">
-                <a:lumMod val="95000"/>
-                <a:lumOff val="5000"/>
-              </a:schemeClr>
-            </a:solidFill>
-          </a:ln>
-        </p:spPr>
-        <p:style>
-          <a:lnRef idx="2">
-            <a:schemeClr val="accent1">
-              <a:shade val="50000"/>
-            </a:schemeClr>
-          </a:lnRef>
-          <a:fillRef idx="1">
-            <a:schemeClr val="accent1"/>
-          </a:fillRef>
-          <a:effectRef idx="0">
-            <a:schemeClr val="accent1"/>
-          </a:effectRef>
-          <a:fontRef idx="minor">
-            <a:schemeClr val="lt1"/>
-          </a:fontRef>
-        </p:style>
-        <p:txBody>
-          <a:bodyPr rtlCol="0" anchor="t" anchorCtr="0"/>
-          <a:lstStyle/>
-          <a:p>
-            <a:pPr algn="ctr"/>
-            <a:r>
-              <a:rPr lang="en-US" dirty="0">
-                <a:solidFill>
-                  <a:schemeClr val="tx1">
-                    <a:lumMod val="95000"/>
-                    <a:lumOff val="5000"/>
-                  </a:schemeClr>
-                </a:solidFill>
-              </a:rPr>
-              <a:t>TXT, TSV, and Excel reports</a:t>
-            </a:r>
-          </a:p>
-        </p:txBody>
-      </p:sp>
-      <p:cxnSp>
-        <p:nvCxnSpPr>
-          <p:cNvPr id="147" name="Straight Arrow Connector 146">
-            <a:extLst>
-              <a:ext uri="{FF2B5EF4-FFF2-40B4-BE49-F238E27FC236}">
-                <a16:creationId xmlns:a16="http://schemas.microsoft.com/office/drawing/2014/main" id="{414DF7DA-68BC-2A4E-B52B-0E5052F12DFB}"/>
-              </a:ext>
-            </a:extLst>
-          </p:cNvPr>
-          <p:cNvCxnSpPr>
-            <a:cxnSpLocks/>
-            <a:stCxn id="62" idx="3"/>
-            <a:endCxn id="145" idx="1"/>
-          </p:cNvCxnSpPr>
-          <p:nvPr/>
-        </p:nvCxnSpPr>
-        <p:spPr>
-          <a:xfrm flipV="1">
-            <a:off x="6839016" y="2767400"/>
-            <a:ext cx="317154" cy="397"/>
-          </a:xfrm>
-          <a:prstGeom prst="straightConnector1">
-            <a:avLst/>
-          </a:prstGeom>
-          <a:ln w="31750">
-            <a:tailEnd type="triangle" w="lg" len="med"/>
-          </a:ln>
-        </p:spPr>
-        <p:style>
-          <a:lnRef idx="1">
-            <a:schemeClr val="accent1"/>
-          </a:lnRef>
-          <a:fillRef idx="0">
-            <a:schemeClr val="accent1"/>
-          </a:fillRef>
-          <a:effectRef idx="0">
-            <a:schemeClr val="accent1"/>
-          </a:effectRef>
-          <a:fontRef idx="minor">
-            <a:schemeClr val="tx1"/>
-          </a:fontRef>
-        </p:style>
-      </p:cxnSp>
-      <p:cxnSp>
-        <p:nvCxnSpPr>
-          <p:cNvPr id="150" name="Straight Arrow Connector 149">
-            <a:extLst>
-              <a:ext uri="{FF2B5EF4-FFF2-40B4-BE49-F238E27FC236}">
-                <a16:creationId xmlns:a16="http://schemas.microsoft.com/office/drawing/2014/main" id="{A2DCFD74-FF9F-274F-850B-AF208EC79FF1}"/>
-              </a:ext>
-            </a:extLst>
-          </p:cNvPr>
-          <p:cNvCxnSpPr>
-            <a:cxnSpLocks/>
-            <a:stCxn id="43" idx="3"/>
-            <a:endCxn id="146" idx="1"/>
-          </p:cNvCxnSpPr>
-          <p:nvPr/>
-        </p:nvCxnSpPr>
-        <p:spPr>
-          <a:xfrm>
-            <a:off x="6839016" y="4264807"/>
-            <a:ext cx="317154" cy="0"/>
-          </a:xfrm>
-          <a:prstGeom prst="straightConnector1">
-            <a:avLst/>
-          </a:prstGeom>
-          <a:ln w="31750">
-            <a:tailEnd type="triangle" w="lg" len="med"/>
-          </a:ln>
-        </p:spPr>
-        <p:style>
-          <a:lnRef idx="1">
-            <a:schemeClr val="accent1"/>
-          </a:lnRef>
-          <a:fillRef idx="0">
-            <a:schemeClr val="accent1"/>
-          </a:fillRef>
-          <a:effectRef idx="0">
-            <a:schemeClr val="accent1"/>
-          </a:effectRef>
-          <a:fontRef idx="minor">
-            <a:schemeClr val="tx1"/>
-          </a:fontRef>
-        </p:style>
-      </p:cxnSp>
-      <p:sp>
-        <p:nvSpPr>
-          <p:cNvPr id="28" name="Document 27">
-            <a:extLst>
-              <a:ext uri="{FF2B5EF4-FFF2-40B4-BE49-F238E27FC236}">
-                <a16:creationId xmlns:a16="http://schemas.microsoft.com/office/drawing/2014/main" id="{5C1A5AC8-640B-334C-B351-6D6A1593FEE0}"/>
-              </a:ext>
-            </a:extLst>
-          </p:cNvPr>
-          <p:cNvSpPr/>
-          <p:nvPr/>
-        </p:nvSpPr>
-        <p:spPr>
-          <a:xfrm>
-            <a:off x="2543961" y="4039821"/>
+            <a:off x="2543961" y="3848268"/>
             <a:ext cx="1620000" cy="457371"/>
           </a:xfrm>
           <a:prstGeom prst="flowChartDocument">
@@ -4768,11 +4432,489 @@
                   </a:schemeClr>
                 </a:solidFill>
               </a:rPr>
-              <a:t>Pooled TSV</a:t>
-            </a:r>
-          </a:p>
-        </p:txBody>
-      </p:sp>
+              <a:t>ASV/sample</a:t>
+            </a:r>
+          </a:p>
+        </p:txBody>
+      </p:sp>
+      <p:cxnSp>
+        <p:nvCxnSpPr>
+          <p:cNvPr id="34" name="Elbow Connector 33">
+            <a:extLst>
+              <a:ext uri="{FF2B5EF4-FFF2-40B4-BE49-F238E27FC236}">
+                <a16:creationId xmlns:a16="http://schemas.microsoft.com/office/drawing/2014/main" id="{C4272220-EF2B-474F-83E5-6B07A806373F}"/>
+              </a:ext>
+            </a:extLst>
+          </p:cNvPr>
+          <p:cNvCxnSpPr>
+            <a:cxnSpLocks/>
+            <a:stCxn id="43" idx="3"/>
+            <a:endCxn id="30" idx="1"/>
+          </p:cNvCxnSpPr>
+          <p:nvPr/>
+        </p:nvCxnSpPr>
+        <p:spPr>
+          <a:xfrm flipV="1">
+            <a:off x="6928970" y="3685271"/>
+            <a:ext cx="450119" cy="707865"/>
+          </a:xfrm>
+          <a:prstGeom prst="bentConnector3">
+            <a:avLst>
+              <a:gd name="adj1" fmla="val 37303"/>
+            </a:avLst>
+          </a:prstGeom>
+          <a:ln w="31750">
+            <a:tailEnd type="triangle" w="lg" len="med"/>
+          </a:ln>
+        </p:spPr>
+        <p:style>
+          <a:lnRef idx="1">
+            <a:schemeClr val="accent1"/>
+          </a:lnRef>
+          <a:fillRef idx="0">
+            <a:schemeClr val="accent1"/>
+          </a:fillRef>
+          <a:effectRef idx="0">
+            <a:schemeClr val="accent1"/>
+          </a:effectRef>
+          <a:fontRef idx="minor">
+            <a:schemeClr val="tx1"/>
+          </a:fontRef>
+        </p:style>
+      </p:cxnSp>
+      <p:sp>
+        <p:nvSpPr>
+          <p:cNvPr id="2" name="Predefined Process 1">
+            <a:extLst>
+              <a:ext uri="{FF2B5EF4-FFF2-40B4-BE49-F238E27FC236}">
+                <a16:creationId xmlns:a16="http://schemas.microsoft.com/office/drawing/2014/main" id="{890C907C-FEB7-C626-5422-F11792E69DB8}"/>
+              </a:ext>
+            </a:extLst>
+          </p:cNvPr>
+          <p:cNvSpPr/>
+          <p:nvPr/>
+        </p:nvSpPr>
+        <p:spPr>
+          <a:xfrm>
+            <a:off x="2588885" y="4474343"/>
+            <a:ext cx="1736592" cy="354625"/>
+          </a:xfrm>
+          <a:prstGeom prst="flowChartPredefinedProcess">
+            <a:avLst/>
+          </a:prstGeom>
+        </p:spPr>
+        <p:style>
+          <a:lnRef idx="2">
+            <a:schemeClr val="accent1">
+              <a:shade val="50000"/>
+            </a:schemeClr>
+          </a:lnRef>
+          <a:fillRef idx="1">
+            <a:schemeClr val="accent1"/>
+          </a:fillRef>
+          <a:effectRef idx="0">
+            <a:schemeClr val="accent1"/>
+          </a:effectRef>
+          <a:fontRef idx="minor">
+            <a:schemeClr val="lt1"/>
+          </a:fontRef>
+        </p:style>
+        <p:txBody>
+          <a:bodyPr rtlCol="0" anchor="ctr"/>
+          <a:lstStyle/>
+          <a:p>
+            <a:pPr algn="ctr"/>
+            <a:r>
+              <a:rPr lang="en-US" dirty="0">
+                <a:latin typeface="Andale Mono" panose="020B0509000000000004" pitchFamily="49" charset="0"/>
+              </a:rPr>
+              <a:t>classify</a:t>
+            </a:r>
+          </a:p>
+        </p:txBody>
+      </p:sp>
+      <p:cxnSp>
+        <p:nvCxnSpPr>
+          <p:cNvPr id="7" name="Straight Arrow Connector 6">
+            <a:extLst>
+              <a:ext uri="{FF2B5EF4-FFF2-40B4-BE49-F238E27FC236}">
+                <a16:creationId xmlns:a16="http://schemas.microsoft.com/office/drawing/2014/main" id="{26506DBE-B19F-C61C-7EAF-63CD86930457}"/>
+              </a:ext>
+            </a:extLst>
+          </p:cNvPr>
+          <p:cNvCxnSpPr>
+            <a:cxnSpLocks/>
+          </p:cNvCxnSpPr>
+          <p:nvPr/>
+        </p:nvCxnSpPr>
+        <p:spPr>
+          <a:xfrm>
+            <a:off x="3457181" y="4714668"/>
+            <a:ext cx="0" cy="333949"/>
+          </a:xfrm>
+          <a:prstGeom prst="straightConnector1">
+            <a:avLst/>
+          </a:prstGeom>
+          <a:ln w="31750">
+            <a:tailEnd type="triangle" w="lg" len="med"/>
+          </a:ln>
+        </p:spPr>
+        <p:style>
+          <a:lnRef idx="1">
+            <a:schemeClr val="accent1"/>
+          </a:lnRef>
+          <a:fillRef idx="0">
+            <a:schemeClr val="accent1"/>
+          </a:fillRef>
+          <a:effectRef idx="0">
+            <a:schemeClr val="accent1"/>
+          </a:effectRef>
+          <a:fontRef idx="minor">
+            <a:schemeClr val="tx1"/>
+          </a:fontRef>
+        </p:style>
+      </p:cxnSp>
+      <p:sp>
+        <p:nvSpPr>
+          <p:cNvPr id="9" name="Document 8">
+            <a:extLst>
+              <a:ext uri="{FF2B5EF4-FFF2-40B4-BE49-F238E27FC236}">
+                <a16:creationId xmlns:a16="http://schemas.microsoft.com/office/drawing/2014/main" id="{F864A9D8-A7E5-A536-E4B0-B10AB1908E46}"/>
+              </a:ext>
+            </a:extLst>
+          </p:cNvPr>
+          <p:cNvSpPr/>
+          <p:nvPr/>
+        </p:nvSpPr>
+        <p:spPr>
+          <a:xfrm>
+            <a:off x="2543960" y="5038107"/>
+            <a:ext cx="1620000" cy="457371"/>
+          </a:xfrm>
+          <a:prstGeom prst="flowChartDocument">
+            <a:avLst/>
+          </a:prstGeom>
+          <a:solidFill>
+            <a:schemeClr val="accent4">
+              <a:lumMod val="40000"/>
+              <a:lumOff val="60000"/>
+            </a:schemeClr>
+          </a:solidFill>
+          <a:ln>
+            <a:solidFill>
+              <a:schemeClr val="tx1">
+                <a:lumMod val="95000"/>
+                <a:lumOff val="5000"/>
+              </a:schemeClr>
+            </a:solidFill>
+          </a:ln>
+        </p:spPr>
+        <p:style>
+          <a:lnRef idx="2">
+            <a:schemeClr val="accent1">
+              <a:shade val="50000"/>
+            </a:schemeClr>
+          </a:lnRef>
+          <a:fillRef idx="1">
+            <a:schemeClr val="accent1"/>
+          </a:fillRef>
+          <a:effectRef idx="0">
+            <a:schemeClr val="accent1"/>
+          </a:effectRef>
+          <a:fontRef idx="minor">
+            <a:schemeClr val="lt1"/>
+          </a:fontRef>
+        </p:style>
+        <p:txBody>
+          <a:bodyPr rtlCol="0" anchor="t" anchorCtr="0"/>
+          <a:lstStyle/>
+          <a:p>
+            <a:pPr algn="ctr"/>
+            <a:r>
+              <a:rPr lang="en-US" dirty="0">
+                <a:solidFill>
+                  <a:schemeClr val="tx1">
+                    <a:lumMod val="95000"/>
+                    <a:lumOff val="5000"/>
+                  </a:schemeClr>
+                </a:solidFill>
+              </a:rPr>
+              <a:t>Classified ASVs</a:t>
+            </a:r>
+          </a:p>
+        </p:txBody>
+      </p:sp>
+      <p:sp>
+        <p:nvSpPr>
+          <p:cNvPr id="20" name="Predefined Process 19">
+            <a:extLst>
+              <a:ext uri="{FF2B5EF4-FFF2-40B4-BE49-F238E27FC236}">
+                <a16:creationId xmlns:a16="http://schemas.microsoft.com/office/drawing/2014/main" id="{6D0D1981-42F7-1243-9B82-BD7A2E4B3DA8}"/>
+              </a:ext>
+            </a:extLst>
+          </p:cNvPr>
+          <p:cNvSpPr/>
+          <p:nvPr/>
+        </p:nvSpPr>
+        <p:spPr>
+          <a:xfrm>
+            <a:off x="2588886" y="3351247"/>
+            <a:ext cx="1736592" cy="354625"/>
+          </a:xfrm>
+          <a:prstGeom prst="flowChartPredefinedProcess">
+            <a:avLst/>
+          </a:prstGeom>
+        </p:spPr>
+        <p:style>
+          <a:lnRef idx="2">
+            <a:schemeClr val="accent1">
+              <a:shade val="50000"/>
+            </a:schemeClr>
+          </a:lnRef>
+          <a:fillRef idx="1">
+            <a:schemeClr val="accent1"/>
+          </a:fillRef>
+          <a:effectRef idx="0">
+            <a:schemeClr val="accent1"/>
+          </a:effectRef>
+          <a:fontRef idx="minor">
+            <a:schemeClr val="lt1"/>
+          </a:fontRef>
+        </p:style>
+        <p:txBody>
+          <a:bodyPr rtlCol="0" anchor="ctr"/>
+          <a:lstStyle/>
+          <a:p>
+            <a:pPr algn="ctr"/>
+            <a:r>
+              <a:rPr lang="en-US" dirty="0">
+                <a:latin typeface="Andale Mono" panose="020B0509000000000004" pitchFamily="49" charset="0"/>
+              </a:rPr>
+              <a:t>tally</a:t>
+            </a:r>
+          </a:p>
+        </p:txBody>
+      </p:sp>
+      <p:sp>
+        <p:nvSpPr>
+          <p:cNvPr id="144" name="Document 143">
+            <a:extLst>
+              <a:ext uri="{FF2B5EF4-FFF2-40B4-BE49-F238E27FC236}">
+                <a16:creationId xmlns:a16="http://schemas.microsoft.com/office/drawing/2014/main" id="{FC76858F-D46A-BBE7-49B9-784721D7BF4D}"/>
+              </a:ext>
+            </a:extLst>
+          </p:cNvPr>
+          <p:cNvSpPr/>
+          <p:nvPr/>
+        </p:nvSpPr>
+        <p:spPr>
+          <a:xfrm>
+            <a:off x="7367813" y="5008227"/>
+            <a:ext cx="1899558" cy="513105"/>
+          </a:xfrm>
+          <a:prstGeom prst="flowChartDocument">
+            <a:avLst/>
+          </a:prstGeom>
+          <a:solidFill>
+            <a:schemeClr val="accent2">
+              <a:lumMod val="40000"/>
+              <a:lumOff val="60000"/>
+            </a:schemeClr>
+          </a:solidFill>
+          <a:ln>
+            <a:solidFill>
+              <a:schemeClr val="tx1">
+                <a:lumMod val="95000"/>
+                <a:lumOff val="5000"/>
+              </a:schemeClr>
+            </a:solidFill>
+          </a:ln>
+        </p:spPr>
+        <p:style>
+          <a:lnRef idx="2">
+            <a:schemeClr val="accent1">
+              <a:shade val="50000"/>
+            </a:schemeClr>
+          </a:lnRef>
+          <a:fillRef idx="1">
+            <a:schemeClr val="accent1"/>
+          </a:fillRef>
+          <a:effectRef idx="0">
+            <a:schemeClr val="accent1"/>
+          </a:effectRef>
+          <a:fontRef idx="minor">
+            <a:schemeClr val="lt1"/>
+          </a:fontRef>
+        </p:style>
+        <p:txBody>
+          <a:bodyPr rtlCol="0" anchor="t" anchorCtr="0"/>
+          <a:lstStyle/>
+          <a:p>
+            <a:pPr algn="ctr"/>
+            <a:r>
+              <a:rPr lang="en-US" dirty="0" err="1">
+                <a:solidFill>
+                  <a:schemeClr val="tx1">
+                    <a:lumMod val="95000"/>
+                    <a:lumOff val="5000"/>
+                  </a:schemeClr>
+                </a:solidFill>
+              </a:rPr>
+              <a:t>Cytoscape</a:t>
+            </a:r>
+            <a:r>
+              <a:rPr lang="en-US" dirty="0">
+                <a:solidFill>
+                  <a:schemeClr val="tx1">
+                    <a:lumMod val="95000"/>
+                    <a:lumOff val="5000"/>
+                  </a:schemeClr>
+                </a:solidFill>
+              </a:rPr>
+              <a:t> Graph</a:t>
+            </a:r>
+          </a:p>
+        </p:txBody>
+      </p:sp>
+      <p:sp>
+        <p:nvSpPr>
+          <p:cNvPr id="145" name="Predefined Process 144">
+            <a:extLst>
+              <a:ext uri="{FF2B5EF4-FFF2-40B4-BE49-F238E27FC236}">
+                <a16:creationId xmlns:a16="http://schemas.microsoft.com/office/drawing/2014/main" id="{947D1538-DAA0-6DA1-C9BE-DE8F6F72EEFB}"/>
+              </a:ext>
+            </a:extLst>
+          </p:cNvPr>
+          <p:cNvSpPr/>
+          <p:nvPr/>
+        </p:nvSpPr>
+        <p:spPr>
+          <a:xfrm>
+            <a:off x="4765673" y="5086770"/>
+            <a:ext cx="2174882" cy="356232"/>
+          </a:xfrm>
+          <a:prstGeom prst="flowChartPredefinedProcess">
+            <a:avLst/>
+          </a:prstGeom>
+        </p:spPr>
+        <p:style>
+          <a:lnRef idx="2">
+            <a:schemeClr val="accent1">
+              <a:shade val="50000"/>
+            </a:schemeClr>
+          </a:lnRef>
+          <a:fillRef idx="1">
+            <a:schemeClr val="accent1"/>
+          </a:fillRef>
+          <a:effectRef idx="0">
+            <a:schemeClr val="accent1"/>
+          </a:effectRef>
+          <a:fontRef idx="minor">
+            <a:schemeClr val="lt1"/>
+          </a:fontRef>
+        </p:style>
+        <p:txBody>
+          <a:bodyPr rtlCol="0" anchor="ctr"/>
+          <a:lstStyle/>
+          <a:p>
+            <a:pPr algn="ctr"/>
+            <a:r>
+              <a:rPr lang="en-US" dirty="0">
+                <a:latin typeface="Andale Mono" panose="020B0509000000000004" pitchFamily="49" charset="0"/>
+              </a:rPr>
+              <a:t>edit-graph</a:t>
+            </a:r>
+          </a:p>
+        </p:txBody>
+      </p:sp>
+      <p:cxnSp>
+        <p:nvCxnSpPr>
+          <p:cNvPr id="146" name="Straight Arrow Connector 145">
+            <a:extLst>
+              <a:ext uri="{FF2B5EF4-FFF2-40B4-BE49-F238E27FC236}">
+                <a16:creationId xmlns:a16="http://schemas.microsoft.com/office/drawing/2014/main" id="{3FC6D9E4-8FDA-7E43-B7FD-9BF2405AB927}"/>
+              </a:ext>
+            </a:extLst>
+          </p:cNvPr>
+          <p:cNvCxnSpPr>
+            <a:cxnSpLocks/>
+            <a:stCxn id="145" idx="3"/>
+            <a:endCxn id="144" idx="1"/>
+          </p:cNvCxnSpPr>
+          <p:nvPr/>
+        </p:nvCxnSpPr>
+        <p:spPr>
+          <a:xfrm flipV="1">
+            <a:off x="6940555" y="5264780"/>
+            <a:ext cx="427258" cy="106"/>
+          </a:xfrm>
+          <a:prstGeom prst="straightConnector1">
+            <a:avLst/>
+          </a:prstGeom>
+          <a:ln w="31750">
+            <a:tailEnd type="triangle" w="lg" len="med"/>
+          </a:ln>
+        </p:spPr>
+        <p:style>
+          <a:lnRef idx="1">
+            <a:schemeClr val="accent1"/>
+          </a:lnRef>
+          <a:fillRef idx="0">
+            <a:schemeClr val="accent1"/>
+          </a:fillRef>
+          <a:effectRef idx="0">
+            <a:schemeClr val="accent1"/>
+          </a:effectRef>
+          <a:fontRef idx="minor">
+            <a:schemeClr val="tx1"/>
+          </a:fontRef>
+        </p:style>
+      </p:cxnSp>
+      <p:cxnSp>
+        <p:nvCxnSpPr>
+          <p:cNvPr id="162" name="Elbow Connector 161">
+            <a:extLst>
+              <a:ext uri="{FF2B5EF4-FFF2-40B4-BE49-F238E27FC236}">
+                <a16:creationId xmlns:a16="http://schemas.microsoft.com/office/drawing/2014/main" id="{147FB21B-B885-28FB-AEB6-2B31B3E0C752}"/>
+              </a:ext>
+            </a:extLst>
+          </p:cNvPr>
+          <p:cNvCxnSpPr>
+            <a:cxnSpLocks/>
+            <a:stCxn id="9" idx="3"/>
+            <a:endCxn id="43" idx="1"/>
+          </p:cNvCxnSpPr>
+          <p:nvPr/>
+        </p:nvCxnSpPr>
+        <p:spPr>
+          <a:xfrm flipV="1">
+            <a:off x="4163960" y="4393136"/>
+            <a:ext cx="590128" cy="873657"/>
+          </a:xfrm>
+          <a:prstGeom prst="bentConnector3">
+            <a:avLst>
+              <a:gd name="adj1" fmla="val 69369"/>
+            </a:avLst>
+          </a:prstGeom>
+          <a:ln w="31750">
+            <a:tailEnd type="triangle" w="lg" len="med"/>
+          </a:ln>
+        </p:spPr>
+        <p:style>
+          <a:lnRef idx="1">
+            <a:schemeClr val="accent1"/>
+          </a:lnRef>
+          <a:fillRef idx="0">
+            <a:schemeClr val="accent1"/>
+          </a:fillRef>
+          <a:effectRef idx="0">
+            <a:schemeClr val="accent1"/>
+          </a:effectRef>
+          <a:fontRef idx="minor">
+            <a:schemeClr val="tx1"/>
+          </a:fontRef>
+        </p:style>
+      </p:cxnSp>
     </p:spTree>
     <p:extLst>
       <p:ext uri="{BB962C8B-B14F-4D97-AF65-F5344CB8AC3E}">
